--- a/Presentación proyecto.pptx
+++ b/Presentación proyecto.pptx
@@ -5,15 +5,27 @@
     <p:sldMasterId id="2147483648" r:id="rId1"/>
   </p:sldMasterIdLst>
   <p:notesMasterIdLst>
-    <p:notesMasterId r:id="rId8"/>
+    <p:notesMasterId r:id="rId20"/>
   </p:notesMasterIdLst>
   <p:sldIdLst>
     <p:sldId id="256" r:id="rId2"/>
-    <p:sldId id="260" r:id="rId3"/>
-    <p:sldId id="258" r:id="rId4"/>
-    <p:sldId id="257" r:id="rId5"/>
-    <p:sldId id="259" r:id="rId6"/>
-    <p:sldId id="261" r:id="rId7"/>
+    <p:sldId id="262" r:id="rId3"/>
+    <p:sldId id="260" r:id="rId4"/>
+    <p:sldId id="258" r:id="rId5"/>
+    <p:sldId id="257" r:id="rId6"/>
+    <p:sldId id="259" r:id="rId7"/>
+    <p:sldId id="261" r:id="rId8"/>
+    <p:sldId id="263" r:id="rId9"/>
+    <p:sldId id="269" r:id="rId10"/>
+    <p:sldId id="264" r:id="rId11"/>
+    <p:sldId id="265" r:id="rId12"/>
+    <p:sldId id="266" r:id="rId13"/>
+    <p:sldId id="267" r:id="rId14"/>
+    <p:sldId id="270" r:id="rId15"/>
+    <p:sldId id="271" r:id="rId16"/>
+    <p:sldId id="273" r:id="rId17"/>
+    <p:sldId id="274" r:id="rId18"/>
+    <p:sldId id="275" r:id="rId19"/>
   </p:sldIdLst>
   <p:sldSz cx="12192000" cy="6858000"/>
   <p:notesSz cx="6858000" cy="9144000"/>
@@ -112,7 +124,24 @@
       </a:defRPr>
     </a:lvl9pPr>
   </p:defaultTextStyle>
+  <p:extLst>
+    <p:ext uri="{EFAFB233-063F-42B5-8137-9DF3F51BA10A}">
+      <p15:sldGuideLst xmlns:p15="http://schemas.microsoft.com/office/powerpoint/2012/main"/>
+    </p:ext>
+  </p:extLst>
 </p:presentation>
+</file>
+
+<file path=ppt/commentAuthors.xml><?xml version="1.0" encoding="utf-8"?>
+<p:cmAuthorLst xmlns:a="http://schemas.openxmlformats.org/drawingml/2006/main" xmlns:r="http://schemas.openxmlformats.org/officeDocument/2006/relationships" xmlns:p="http://schemas.openxmlformats.org/presentationml/2006/main">
+  <p:cmAuthor id="1" name="Oscar Mejia" initials="OM" lastIdx="1" clrIdx="0">
+    <p:extLst>
+      <p:ext uri="{19B8F6BF-5375-455C-9EA6-DF929625EA0E}">
+        <p15:presenceInfo xmlns:p15="http://schemas.microsoft.com/office/powerpoint/2012/main" userId="S::oscar.mejia@alcames.com::901709e2-d9d8-425d-a739-e1a535fc26e6" providerId="AD"/>
+      </p:ext>
+    </p:extLst>
+  </p:cmAuthor>
+</p:cmAuthorLst>
 </file>
 
 <file path=ppt/charts/chartEx1.xml><?xml version="1.0" encoding="utf-8"?>
@@ -1575,7 +1604,7 @@
           <a:p>
             <a:fld id="{A6605511-2EB2-4EBE-8938-DAD8529E22EE}" type="datetimeFigureOut">
               <a:rPr lang="es-US" smtClean="0"/>
-              <a:t>10/26/2020</a:t>
+              <a:t>11/6/20</a:t>
             </a:fld>
             <a:endParaRPr lang="es-US"/>
           </a:p>
@@ -1908,7 +1937,7 @@
           <a:p>
             <a:fld id="{0B8547A7-9E1A-4F2C-A66F-B76B187E5DAD}" type="slidenum">
               <a:rPr lang="es-US" smtClean="0"/>
-              <a:t>5</a:t>
+              <a:t>6</a:t>
             </a:fld>
             <a:endParaRPr lang="es-US"/>
           </a:p>
@@ -2076,7 +2105,7 @@
           <a:p>
             <a:fld id="{4BFA584C-C60C-47FE-9B0A-85EFDC4310B6}" type="datetimeFigureOut">
               <a:rPr lang="es-US" smtClean="0"/>
-              <a:t>10/26/2020</a:t>
+              <a:t>11/6/20</a:t>
             </a:fld>
             <a:endParaRPr lang="es-US"/>
           </a:p>
@@ -2276,7 +2305,7 @@
           <a:p>
             <a:fld id="{4BFA584C-C60C-47FE-9B0A-85EFDC4310B6}" type="datetimeFigureOut">
               <a:rPr lang="es-US" smtClean="0"/>
-              <a:t>10/26/2020</a:t>
+              <a:t>11/6/20</a:t>
             </a:fld>
             <a:endParaRPr lang="es-US"/>
           </a:p>
@@ -2486,7 +2515,7 @@
           <a:p>
             <a:fld id="{4BFA584C-C60C-47FE-9B0A-85EFDC4310B6}" type="datetimeFigureOut">
               <a:rPr lang="es-US" smtClean="0"/>
-              <a:t>10/26/2020</a:t>
+              <a:t>11/6/20</a:t>
             </a:fld>
             <a:endParaRPr lang="es-US"/>
           </a:p>
@@ -2686,7 +2715,7 @@
           <a:p>
             <a:fld id="{4BFA584C-C60C-47FE-9B0A-85EFDC4310B6}" type="datetimeFigureOut">
               <a:rPr lang="es-US" smtClean="0"/>
-              <a:t>10/26/2020</a:t>
+              <a:t>11/6/20</a:t>
             </a:fld>
             <a:endParaRPr lang="es-US"/>
           </a:p>
@@ -2962,7 +2991,7 @@
           <a:p>
             <a:fld id="{4BFA584C-C60C-47FE-9B0A-85EFDC4310B6}" type="datetimeFigureOut">
               <a:rPr lang="es-US" smtClean="0"/>
-              <a:t>10/26/2020</a:t>
+              <a:t>11/6/20</a:t>
             </a:fld>
             <a:endParaRPr lang="es-US"/>
           </a:p>
@@ -3230,7 +3259,7 @@
           <a:p>
             <a:fld id="{4BFA584C-C60C-47FE-9B0A-85EFDC4310B6}" type="datetimeFigureOut">
               <a:rPr lang="es-US" smtClean="0"/>
-              <a:t>10/26/2020</a:t>
+              <a:t>11/6/20</a:t>
             </a:fld>
             <a:endParaRPr lang="es-US"/>
           </a:p>
@@ -3645,7 +3674,7 @@
           <a:p>
             <a:fld id="{4BFA584C-C60C-47FE-9B0A-85EFDC4310B6}" type="datetimeFigureOut">
               <a:rPr lang="es-US" smtClean="0"/>
-              <a:t>10/26/2020</a:t>
+              <a:t>11/6/20</a:t>
             </a:fld>
             <a:endParaRPr lang="es-US"/>
           </a:p>
@@ -3787,7 +3816,7 @@
           <a:p>
             <a:fld id="{4BFA584C-C60C-47FE-9B0A-85EFDC4310B6}" type="datetimeFigureOut">
               <a:rPr lang="es-US" smtClean="0"/>
-              <a:t>10/26/2020</a:t>
+              <a:t>11/6/20</a:t>
             </a:fld>
             <a:endParaRPr lang="es-US"/>
           </a:p>
@@ -3900,7 +3929,7 @@
           <a:p>
             <a:fld id="{4BFA584C-C60C-47FE-9B0A-85EFDC4310B6}" type="datetimeFigureOut">
               <a:rPr lang="es-US" smtClean="0"/>
-              <a:t>10/26/2020</a:t>
+              <a:t>11/6/20</a:t>
             </a:fld>
             <a:endParaRPr lang="es-US"/>
           </a:p>
@@ -4213,7 +4242,7 @@
           <a:p>
             <a:fld id="{4BFA584C-C60C-47FE-9B0A-85EFDC4310B6}" type="datetimeFigureOut">
               <a:rPr lang="es-US" smtClean="0"/>
-              <a:t>10/26/2020</a:t>
+              <a:t>11/6/20</a:t>
             </a:fld>
             <a:endParaRPr lang="es-US"/>
           </a:p>
@@ -4502,7 +4531,7 @@
           <a:p>
             <a:fld id="{4BFA584C-C60C-47FE-9B0A-85EFDC4310B6}" type="datetimeFigureOut">
               <a:rPr lang="es-US" smtClean="0"/>
-              <a:t>10/26/2020</a:t>
+              <a:t>11/6/20</a:t>
             </a:fld>
             <a:endParaRPr lang="es-US"/>
           </a:p>
@@ -4745,7 +4774,7 @@
           <a:p>
             <a:fld id="{4BFA584C-C60C-47FE-9B0A-85EFDC4310B6}" type="datetimeFigureOut">
               <a:rPr lang="es-US" smtClean="0"/>
-              <a:t>10/26/2020</a:t>
+              <a:t>11/6/20</a:t>
             </a:fld>
             <a:endParaRPr lang="es-US"/>
           </a:p>
@@ -5148,6 +5177,14 @@
 <file path=ppt/slides/slide1.xml><?xml version="1.0" encoding="utf-8"?>
 <p:sld xmlns:a="http://schemas.openxmlformats.org/drawingml/2006/main" xmlns:r="http://schemas.openxmlformats.org/officeDocument/2006/relationships" xmlns:p="http://schemas.openxmlformats.org/presentationml/2006/main">
   <p:cSld>
+    <p:bg>
+      <p:bgPr>
+        <a:solidFill>
+          <a:schemeClr val="bg1"/>
+        </a:solidFill>
+        <a:effectLst/>
+      </p:bgPr>
+    </p:bg>
     <p:spTree>
       <p:nvGrpSpPr>
         <p:cNvPr id="1" name=""/>
@@ -5164,94 +5201,422 @@
       </p:grpSpPr>
       <p:sp>
         <p:nvSpPr>
-          <p:cNvPr id="2" name="Título 1">
-            <a:extLst>
-              <a:ext uri="{FF2B5EF4-FFF2-40B4-BE49-F238E27FC236}">
-                <a16:creationId xmlns:a16="http://schemas.microsoft.com/office/drawing/2014/main" id="{6CDD4252-8825-4FD0-8FD1-43531664A1FE}"/>
-              </a:ext>
-            </a:extLst>
-          </p:cNvPr>
-          <p:cNvSpPr>
-            <a:spLocks noGrp="1"/>
-          </p:cNvSpPr>
-          <p:nvPr>
-            <p:ph type="ctrTitle"/>
-          </p:nvPr>
-        </p:nvSpPr>
-        <p:spPr/>
-        <p:txBody>
-          <a:bodyPr/>
-          <a:lstStyle/>
-          <a:p>
-            <a:r>
-              <a:rPr lang="es-CR" dirty="0"/>
-              <a:t>Proyecto Teoría de Riesgo</a:t>
-            </a:r>
-            <a:br>
-              <a:rPr lang="es-CR" dirty="0"/>
-            </a:br>
-            <a:endParaRPr lang="es-US" dirty="0"/>
-          </a:p>
-        </p:txBody>
-      </p:sp>
-      <p:sp>
-        <p:nvSpPr>
-          <p:cNvPr id="3" name="Subtítulo 2">
-            <a:extLst>
-              <a:ext uri="{FF2B5EF4-FFF2-40B4-BE49-F238E27FC236}">
-                <a16:creationId xmlns:a16="http://schemas.microsoft.com/office/drawing/2014/main" id="{D989AFA9-3EEF-4A2B-A1D1-B7605F6200CD}"/>
-              </a:ext>
-            </a:extLst>
-          </p:cNvPr>
-          <p:cNvSpPr>
-            <a:spLocks noGrp="1"/>
-          </p:cNvSpPr>
-          <p:nvPr>
-            <p:ph type="subTitle" idx="1"/>
+          <p:cNvPr id="8" name="Rectangle 7">
+            <a:extLst>
+              <a:ext uri="{FF2B5EF4-FFF2-40B4-BE49-F238E27FC236}">
+                <a16:creationId xmlns:a16="http://schemas.microsoft.com/office/drawing/2014/main" id="{2CB6C291-6CAF-46DF-ACFF-AADF0FD03F58}"/>
+              </a:ext>
+              <a:ext uri="{C183D7F6-B498-43B3-948B-1728B52AA6E4}">
+                <adec:decorative xmlns:adec="http://schemas.microsoft.com/office/drawing/2017/decorative" val="1"/>
+              </a:ext>
+            </a:extLst>
+          </p:cNvPr>
+          <p:cNvSpPr>
+            <a:spLocks noGrp="1" noRot="1" noChangeAspect="1" noMove="1" noResize="1" noEditPoints="1" noAdjustHandles="1" noChangeArrowheads="1" noChangeShapeType="1" noTextEdit="1"/>
+          </p:cNvSpPr>
+          <p:nvPr>
+            <p:extLst>
+              <p:ext uri="{386F3935-93C4-4BCD-93E2-E3B085C9AB24}">
+                <p16:designElem xmlns:p16="http://schemas.microsoft.com/office/powerpoint/2015/main" val="1"/>
+              </p:ext>
+            </p:extLst>
           </p:nvPr>
         </p:nvSpPr>
         <p:spPr>
           <a:xfrm>
-            <a:off x="1524000" y="3602037"/>
-            <a:ext cx="9144000" cy="2387599"/>
+            <a:off x="1281708" y="0"/>
+            <a:ext cx="10910292" cy="6858000"/>
+          </a:xfrm>
+          <a:prstGeom prst="rect">
+            <a:avLst/>
+          </a:prstGeom>
+          <a:gradFill>
+            <a:gsLst>
+              <a:gs pos="0">
+                <a:schemeClr val="accent1">
+                  <a:lumMod val="90000"/>
+                </a:schemeClr>
+              </a:gs>
+              <a:gs pos="25000">
+                <a:schemeClr val="accent1">
+                  <a:lumMod val="90000"/>
+                </a:schemeClr>
+              </a:gs>
+              <a:gs pos="94000">
+                <a:schemeClr val="bg2">
+                  <a:lumMod val="25000"/>
+                </a:schemeClr>
+              </a:gs>
+              <a:gs pos="100000">
+                <a:schemeClr val="bg2">
+                  <a:lumMod val="25000"/>
+                </a:schemeClr>
+              </a:gs>
+            </a:gsLst>
+            <a:lin ang="4200000" scaled="0"/>
+          </a:gradFill>
+          <a:ln>
+            <a:noFill/>
+          </a:ln>
+        </p:spPr>
+        <p:style>
+          <a:lnRef idx="2">
+            <a:schemeClr val="accent1">
+              <a:shade val="50000"/>
+            </a:schemeClr>
+          </a:lnRef>
+          <a:fillRef idx="1">
+            <a:schemeClr val="accent1"/>
+          </a:fillRef>
+          <a:effectRef idx="0">
+            <a:schemeClr val="accent1"/>
+          </a:effectRef>
+          <a:fontRef idx="minor">
+            <a:schemeClr val="lt1"/>
+          </a:fontRef>
+        </p:style>
+        <p:txBody>
+          <a:bodyPr rtlCol="0" anchor="ctr"/>
+          <a:lstStyle/>
+          <a:p>
+            <a:pPr marL="0" marR="0" lvl="0" indent="0" algn="ctr" defTabSz="914400" rtl="0" eaLnBrk="1" fontAlgn="auto" latinLnBrk="0" hangingPunct="1">
+              <a:lnSpc>
+                <a:spcPct val="100000"/>
+              </a:lnSpc>
+              <a:spcBef>
+                <a:spcPts val="0"/>
+              </a:spcBef>
+              <a:spcAft>
+                <a:spcPts val="0"/>
+              </a:spcAft>
+              <a:buClrTx/>
+              <a:buSzTx/>
+              <a:buFontTx/>
+              <a:buNone/>
+              <a:tabLst/>
+              <a:defRPr/>
+            </a:pPr>
+            <a:endParaRPr kumimoji="0" lang="en-US" sz="1800" b="0" i="0" u="none" strike="noStrike" kern="1200" cap="none" spc="0" normalizeH="0" baseline="0" noProof="0">
+              <a:ln>
+                <a:noFill/>
+              </a:ln>
+              <a:solidFill>
+                <a:prstClr val="white"/>
+              </a:solidFill>
+              <a:effectLst/>
+              <a:uLnTx/>
+              <a:uFillTx/>
+              <a:latin typeface="Calibri" panose="020F0502020204030204"/>
+              <a:ea typeface="+mn-ea"/>
+              <a:cs typeface="+mn-cs"/>
+            </a:endParaRPr>
+          </a:p>
+        </p:txBody>
+      </p:sp>
+      <p:sp>
+        <p:nvSpPr>
+          <p:cNvPr id="10" name="Rectangle 9">
+            <a:extLst>
+              <a:ext uri="{FF2B5EF4-FFF2-40B4-BE49-F238E27FC236}">
+                <a16:creationId xmlns:a16="http://schemas.microsoft.com/office/drawing/2014/main" id="{4735DC46-5663-471D-AADB-81E00E65BCC6}"/>
+              </a:ext>
+              <a:ext uri="{C183D7F6-B498-43B3-948B-1728B52AA6E4}">
+                <adec:decorative xmlns:adec="http://schemas.microsoft.com/office/drawing/2017/decorative" val="1"/>
+              </a:ext>
+            </a:extLst>
+          </p:cNvPr>
+          <p:cNvSpPr>
+            <a:spLocks noGrp="1" noRot="1" noChangeAspect="1" noMove="1" noResize="1" noEditPoints="1" noAdjustHandles="1" noChangeArrowheads="1" noChangeShapeType="1" noTextEdit="1"/>
+          </p:cNvSpPr>
+          <p:nvPr>
+            <p:extLst>
+              <p:ext uri="{386F3935-93C4-4BCD-93E2-E3B085C9AB24}">
+                <p16:designElem xmlns:p16="http://schemas.microsoft.com/office/powerpoint/2015/main" val="1"/>
+              </p:ext>
+            </p:extLst>
+          </p:nvPr>
+        </p:nvSpPr>
+        <p:spPr>
+          <a:xfrm>
+            <a:off x="0" y="0"/>
+            <a:ext cx="4419600" cy="6858000"/>
+          </a:xfrm>
+          <a:prstGeom prst="rect">
+            <a:avLst/>
+          </a:prstGeom>
+          <a:solidFill>
+            <a:srgbClr val="FFFFFF"/>
+          </a:solidFill>
+          <a:ln>
+            <a:noFill/>
+          </a:ln>
+        </p:spPr>
+        <p:style>
+          <a:lnRef idx="2">
+            <a:schemeClr val="accent1">
+              <a:shade val="50000"/>
+            </a:schemeClr>
+          </a:lnRef>
+          <a:fillRef idx="1">
+            <a:schemeClr val="accent1"/>
+          </a:fillRef>
+          <a:effectRef idx="0">
+            <a:schemeClr val="accent1"/>
+          </a:effectRef>
+          <a:fontRef idx="minor">
+            <a:schemeClr val="lt1"/>
+          </a:fontRef>
+        </p:style>
+        <p:txBody>
+          <a:bodyPr rtlCol="0" anchor="ctr"/>
+          <a:lstStyle/>
+          <a:p>
+            <a:pPr algn="ctr"/>
+            <a:endParaRPr lang="en-US"/>
+          </a:p>
+        </p:txBody>
+      </p:sp>
+      <p:pic>
+        <p:nvPicPr>
+          <p:cNvPr id="12" name="Picture 11">
+            <a:extLst>
+              <a:ext uri="{FF2B5EF4-FFF2-40B4-BE49-F238E27FC236}">
+                <a16:creationId xmlns:a16="http://schemas.microsoft.com/office/drawing/2014/main" id="{595E59CC-7059-4455-9789-EDFBBE8F5A98}"/>
+              </a:ext>
+              <a:ext uri="{C183D7F6-B498-43B3-948B-1728B52AA6E4}">
+                <adec:decorative xmlns:adec="http://schemas.microsoft.com/office/drawing/2017/decorative" val="1"/>
+              </a:ext>
+            </a:extLst>
+          </p:cNvPr>
+          <p:cNvPicPr>
+            <a:picLocks noGrp="1" noRot="1" noChangeAspect="1" noMove="1" noResize="1" noEditPoints="1" noAdjustHandles="1" noChangeArrowheads="1" noChangeShapeType="1" noCrop="1"/>
+          </p:cNvPicPr>
+          <p:nvPr>
+            <p:extLst>
+              <p:ext uri="{386F3935-93C4-4BCD-93E2-E3B085C9AB24}">
+                <p16:designElem xmlns:p16="http://schemas.microsoft.com/office/powerpoint/2015/main" val="1"/>
+              </p:ext>
+            </p:extLst>
+          </p:nvPr>
+        </p:nvPicPr>
+        <p:blipFill rotWithShape="1">
+          <a:blip r:embed="rId2">
+            <a:extLst>
+              <a:ext uri="{28A0092B-C50C-407E-A947-70E740481C1C}">
+                <a14:useLocalDpi xmlns:a14="http://schemas.microsoft.com/office/drawing/2010/main" val="0"/>
+              </a:ext>
+            </a:extLst>
+          </a:blip>
+          <a:srcRect l="-1" t="7983" r="60644" b="14447"/>
+          <a:stretch/>
+        </p:blipFill>
+        <p:spPr>
+          <a:xfrm>
+            <a:off x="2777490" y="2"/>
+            <a:ext cx="6185757" cy="6857999"/>
+          </a:xfrm>
+          <a:custGeom>
+            <a:avLst/>
+            <a:gdLst>
+              <a:gd name="connsiteX0" fmla="*/ 0 w 9414510"/>
+              <a:gd name="connsiteY0" fmla="*/ 0 h 6857999"/>
+              <a:gd name="connsiteX1" fmla="*/ 9414510 w 9414510"/>
+              <a:gd name="connsiteY1" fmla="*/ 0 h 6857999"/>
+              <a:gd name="connsiteX2" fmla="*/ 9414510 w 9414510"/>
+              <a:gd name="connsiteY2" fmla="*/ 6857999 h 6857999"/>
+              <a:gd name="connsiteX3" fmla="*/ 0 w 9414510"/>
+              <a:gd name="connsiteY3" fmla="*/ 6857999 h 6857999"/>
+            </a:gdLst>
+            <a:ahLst/>
+            <a:cxnLst>
+              <a:cxn ang="0">
+                <a:pos x="connsiteX0" y="connsiteY0"/>
+              </a:cxn>
+              <a:cxn ang="0">
+                <a:pos x="connsiteX1" y="connsiteY1"/>
+              </a:cxn>
+              <a:cxn ang="0">
+                <a:pos x="connsiteX2" y="connsiteY2"/>
+              </a:cxn>
+              <a:cxn ang="0">
+                <a:pos x="connsiteX3" y="connsiteY3"/>
+              </a:cxn>
+            </a:cxnLst>
+            <a:rect l="l" t="t" r="r" b="b"/>
+            <a:pathLst>
+              <a:path w="9414510" h="6857999">
+                <a:moveTo>
+                  <a:pt x="0" y="0"/>
+                </a:moveTo>
+                <a:lnTo>
+                  <a:pt x="9414510" y="0"/>
+                </a:lnTo>
+                <a:lnTo>
+                  <a:pt x="9414510" y="6857999"/>
+                </a:lnTo>
+                <a:lnTo>
+                  <a:pt x="0" y="6857999"/>
+                </a:lnTo>
+                <a:close/>
+              </a:path>
+            </a:pathLst>
+          </a:custGeom>
+        </p:spPr>
+      </p:pic>
+      <p:sp>
+        <p:nvSpPr>
+          <p:cNvPr id="2" name="Título 1">
+            <a:extLst>
+              <a:ext uri="{FF2B5EF4-FFF2-40B4-BE49-F238E27FC236}">
+                <a16:creationId xmlns:a16="http://schemas.microsoft.com/office/drawing/2014/main" id="{6CDD4252-8825-4FD0-8FD1-43531664A1FE}"/>
+              </a:ext>
+            </a:extLst>
+          </p:cNvPr>
+          <p:cNvSpPr>
+            <a:spLocks noGrp="1"/>
+          </p:cNvSpPr>
+          <p:nvPr>
+            <p:ph type="ctrTitle"/>
+          </p:nvPr>
+        </p:nvSpPr>
+        <p:spPr>
+          <a:xfrm>
+            <a:off x="640080" y="1243013"/>
+            <a:ext cx="3855720" cy="4371974"/>
           </a:xfrm>
         </p:spPr>
         <p:txBody>
-          <a:bodyPr>
+          <a:bodyPr vert="horz" lIns="91440" tIns="45720" rIns="91440" bIns="45720" rtlCol="0" anchor="ctr">
             <a:normAutofit/>
           </a:bodyPr>
           <a:lstStyle/>
           <a:p>
-            <a:r>
-              <a:rPr lang="es-CR" dirty="0"/>
+            <a:pPr algn="l"/>
+            <a:r>
+              <a:rPr lang="en-US" sz="4400" kern="1200">
+                <a:solidFill>
+                  <a:srgbClr val="3F3F3F"/>
+                </a:solidFill>
+                <a:latin typeface="+mj-lt"/>
+                <a:ea typeface="+mj-ea"/>
+                <a:cs typeface="+mj-cs"/>
+              </a:rPr>
+              <a:t>Proyecto Teoría de Riesgo</a:t>
+            </a:r>
+            <a:br>
+              <a:rPr lang="en-US" sz="4400" kern="1200">
+                <a:solidFill>
+                  <a:srgbClr val="3F3F3F"/>
+                </a:solidFill>
+                <a:latin typeface="+mj-lt"/>
+                <a:ea typeface="+mj-ea"/>
+                <a:cs typeface="+mj-cs"/>
+              </a:rPr>
+            </a:br>
+            <a:endParaRPr lang="en-US" sz="4400" kern="1200">
+              <a:solidFill>
+                <a:srgbClr val="3F3F3F"/>
+              </a:solidFill>
+              <a:latin typeface="+mj-lt"/>
+              <a:ea typeface="+mj-ea"/>
+              <a:cs typeface="+mj-cs"/>
+            </a:endParaRPr>
+          </a:p>
+        </p:txBody>
+      </p:sp>
+      <p:sp>
+        <p:nvSpPr>
+          <p:cNvPr id="3" name="Subtítulo 2">
+            <a:extLst>
+              <a:ext uri="{FF2B5EF4-FFF2-40B4-BE49-F238E27FC236}">
+                <a16:creationId xmlns:a16="http://schemas.microsoft.com/office/drawing/2014/main" id="{D989AFA9-3EEF-4A2B-A1D1-B7605F6200CD}"/>
+              </a:ext>
+            </a:extLst>
+          </p:cNvPr>
+          <p:cNvSpPr>
+            <a:spLocks noGrp="1"/>
+          </p:cNvSpPr>
+          <p:nvPr>
+            <p:ph type="subTitle" idx="1"/>
+          </p:nvPr>
+        </p:nvSpPr>
+        <p:spPr>
+          <a:xfrm>
+            <a:off x="6305550" y="1032987"/>
+            <a:ext cx="5246370" cy="4792027"/>
+          </a:xfrm>
+        </p:spPr>
+        <p:txBody>
+          <a:bodyPr vert="horz" lIns="91440" tIns="45720" rIns="91440" bIns="45720" rtlCol="0" anchor="ctr">
+            <a:normAutofit/>
+          </a:bodyPr>
+          <a:lstStyle/>
+          <a:p>
+            <a:pPr indent="-228600" algn="l">
+              <a:buFont typeface="Arial" panose="020B0604020202020204" pitchFamily="34" charset="0"/>
+              <a:buChar char="•"/>
+            </a:pPr>
+            <a:r>
+              <a:rPr lang="en-US">
+                <a:solidFill>
+                  <a:srgbClr val="FFFFFF"/>
+                </a:solidFill>
+              </a:rPr>
+              <a:t>Amel Cáceres</a:t>
+            </a:r>
+          </a:p>
+          <a:p>
+            <a:pPr indent="-228600" algn="l">
+              <a:buFont typeface="Arial" panose="020B0604020202020204" pitchFamily="34" charset="0"/>
+              <a:buChar char="•"/>
+            </a:pPr>
+            <a:r>
+              <a:rPr lang="en-US">
+                <a:solidFill>
+                  <a:srgbClr val="FFFFFF"/>
+                </a:solidFill>
+              </a:rPr>
+              <a:t>Esteban Loría</a:t>
+            </a:r>
+          </a:p>
+          <a:p>
+            <a:pPr indent="-228600" algn="l">
+              <a:buFont typeface="Arial" panose="020B0604020202020204" pitchFamily="34" charset="0"/>
+              <a:buChar char="•"/>
+            </a:pPr>
+            <a:r>
+              <a:rPr lang="en-US">
+                <a:solidFill>
+                  <a:srgbClr val="FFFFFF"/>
+                </a:solidFill>
+              </a:rPr>
               <a:t>Marco Mejía</a:t>
             </a:r>
           </a:p>
           <a:p>
-            <a:r>
-              <a:rPr lang="es-CR" dirty="0" err="1"/>
-              <a:t>Amel</a:t>
-            </a:r>
-            <a:r>
-              <a:rPr lang="es-CR" dirty="0"/>
-              <a:t> Cáceres</a:t>
-            </a:r>
-          </a:p>
-          <a:p>
-            <a:r>
-              <a:rPr lang="es-CR" dirty="0"/>
-              <a:t>Esteban Loría</a:t>
-            </a:r>
-          </a:p>
-          <a:p>
-            <a:endParaRPr lang="es-CR" dirty="0"/>
-          </a:p>
-          <a:p>
-            <a:r>
-              <a:rPr lang="es-CR" dirty="0"/>
+            <a:pPr indent="-228600" algn="l">
+              <a:buFont typeface="Arial" panose="020B0604020202020204" pitchFamily="34" charset="0"/>
+              <a:buChar char="•"/>
+            </a:pPr>
+            <a:endParaRPr lang="en-US">
+              <a:solidFill>
+                <a:srgbClr val="FFFFFF"/>
+              </a:solidFill>
+            </a:endParaRPr>
+          </a:p>
+          <a:p>
+            <a:pPr indent="-228600" algn="l">
+              <a:buFont typeface="Arial" panose="020B0604020202020204" pitchFamily="34" charset="0"/>
+              <a:buChar char="•"/>
+            </a:pPr>
+            <a:r>
+              <a:rPr lang="en-US">
+                <a:solidFill>
+                  <a:srgbClr val="FFFFFF"/>
+                </a:solidFill>
+              </a:rPr>
               <a:t>2020</a:t>
             </a:r>
-            <a:endParaRPr lang="es-US" dirty="0"/>
           </a:p>
         </p:txBody>
       </p:sp>
@@ -5263,12 +5628,12 @@
     </p:extLst>
   </p:cSld>
   <p:clrMapOvr>
-    <a:masterClrMapping/>
+    <a:overrideClrMapping bg1="dk1" tx1="lt1" bg2="dk2" tx2="lt2" accent1="accent1" accent2="accent2" accent3="accent3" accent4="accent4" accent5="accent5" accent6="accent6" hlink="hlink" folHlink="folHlink"/>
   </p:clrMapOvr>
 </p:sld>
 </file>
 
-<file path=ppt/slides/slide2.xml><?xml version="1.0" encoding="utf-8"?>
+<file path=ppt/slides/slide10.xml><?xml version="1.0" encoding="utf-8"?>
 <p:sld xmlns:a="http://schemas.openxmlformats.org/drawingml/2006/main" xmlns:r="http://schemas.openxmlformats.org/officeDocument/2006/relationships" xmlns:p="http://schemas.openxmlformats.org/presentationml/2006/main">
   <p:cSld>
     <p:spTree>
@@ -5285,69 +5650,1448 @@
           <a:chExt cx="0" cy="0"/>
         </a:xfrm>
       </p:grpSpPr>
-      <p:sp>
-        <p:nvSpPr>
-          <p:cNvPr id="2" name="Título 1">
-            <a:extLst>
-              <a:ext uri="{FF2B5EF4-FFF2-40B4-BE49-F238E27FC236}">
-                <a16:creationId xmlns:a16="http://schemas.microsoft.com/office/drawing/2014/main" id="{BC89EDA1-4726-4BD8-AA66-A64C8BFFF60B}"/>
-              </a:ext>
-            </a:extLst>
-          </p:cNvPr>
-          <p:cNvSpPr>
-            <a:spLocks noGrp="1"/>
-          </p:cNvSpPr>
-          <p:nvPr>
-            <p:ph type="title"/>
-          </p:nvPr>
-        </p:nvSpPr>
-        <p:spPr/>
-        <p:txBody>
-          <a:bodyPr/>
-          <a:lstStyle/>
-          <a:p>
-            <a:pPr algn="ctr"/>
-            <a:r>
-              <a:rPr lang="es-CR" dirty="0"/>
-              <a:t>Motivación</a:t>
-            </a:r>
-            <a:endParaRPr lang="es-US" dirty="0"/>
-          </a:p>
-        </p:txBody>
-      </p:sp>
-      <p:sp>
-        <p:nvSpPr>
-          <p:cNvPr id="3" name="Marcador de contenido 2">
-            <a:extLst>
-              <a:ext uri="{FF2B5EF4-FFF2-40B4-BE49-F238E27FC236}">
-                <a16:creationId xmlns:a16="http://schemas.microsoft.com/office/drawing/2014/main" id="{A5FF779C-3AD2-4032-8251-6A30DF452EBB}"/>
-              </a:ext>
-            </a:extLst>
-          </p:cNvPr>
-          <p:cNvSpPr>
-            <a:spLocks noGrp="1"/>
-          </p:cNvSpPr>
+      <p:pic>
+        <p:nvPicPr>
+          <p:cNvPr id="5" name="Marcador de contenido 4" descr="Gráfico, Gráfico de líneas, Histograma&#10;&#10;Descripción generada automáticamente">
+            <a:extLst>
+              <a:ext uri="{FF2B5EF4-FFF2-40B4-BE49-F238E27FC236}">
+                <a16:creationId xmlns:a16="http://schemas.microsoft.com/office/drawing/2014/main" id="{B50D3D90-32BF-3949-BB8A-2F9BAE4B8597}"/>
+              </a:ext>
+            </a:extLst>
+          </p:cNvPr>
+          <p:cNvPicPr>
+            <a:picLocks noGrp="1" noChangeAspect="1"/>
+          </p:cNvPicPr>
           <p:nvPr>
             <p:ph idx="1"/>
           </p:nvPr>
-        </p:nvSpPr>
-        <p:spPr/>
-        <p:txBody>
-          <a:bodyPr/>
-          <a:lstStyle/>
-          <a:p>
-            <a:r>
-              <a:rPr lang="es-CR" dirty="0"/>
-              <a:t>El Banco Nacional quiere saber una estimación de cuánto dinero debería reservar para realizar el pago de reclamaciones por fraude. </a:t>
-            </a:r>
-            <a:endParaRPr lang="es-US" dirty="0"/>
-          </a:p>
-        </p:txBody>
-      </p:sp>
+        </p:nvPicPr>
+        <p:blipFill>
+          <a:blip r:embed="rId2">
+            <a:extLst>
+              <a:ext uri="{28A0092B-C50C-407E-A947-70E740481C1C}">
+                <a14:useLocalDpi xmlns:a14="http://schemas.microsoft.com/office/drawing/2010/main" val="0"/>
+              </a:ext>
+            </a:extLst>
+          </a:blip>
+          <a:stretch>
+            <a:fillRect/>
+          </a:stretch>
+        </p:blipFill>
+        <p:spPr>
+          <a:xfrm>
+            <a:off x="412597" y="271463"/>
+            <a:ext cx="11174565" cy="6221412"/>
+          </a:xfrm>
+        </p:spPr>
+      </p:pic>
     </p:spTree>
     <p:extLst>
       <p:ext uri="{BB962C8B-B14F-4D97-AF65-F5344CB8AC3E}">
-        <p14:creationId xmlns:p14="http://schemas.microsoft.com/office/powerpoint/2010/main" val="1278925943"/>
+        <p14:creationId xmlns:p14="http://schemas.microsoft.com/office/powerpoint/2010/main" val="2414638441"/>
+      </p:ext>
+    </p:extLst>
+  </p:cSld>
+  <p:clrMapOvr>
+    <a:masterClrMapping/>
+  </p:clrMapOvr>
+</p:sld>
+</file>
+
+<file path=ppt/slides/slide11.xml><?xml version="1.0" encoding="utf-8"?>
+<p:sld xmlns:a="http://schemas.openxmlformats.org/drawingml/2006/main" xmlns:r="http://schemas.openxmlformats.org/officeDocument/2006/relationships" xmlns:p="http://schemas.openxmlformats.org/presentationml/2006/main">
+  <p:cSld>
+    <p:spTree>
+      <p:nvGrpSpPr>
+        <p:cNvPr id="1" name=""/>
+        <p:cNvGrpSpPr/>
+        <p:nvPr/>
+      </p:nvGrpSpPr>
+      <p:grpSpPr>
+        <a:xfrm>
+          <a:off x="0" y="0"/>
+          <a:ext cx="0" cy="0"/>
+          <a:chOff x="0" y="0"/>
+          <a:chExt cx="0" cy="0"/>
+        </a:xfrm>
+      </p:grpSpPr>
+      <p:pic>
+        <p:nvPicPr>
+          <p:cNvPr id="5" name="Marcador de contenido 4" descr="Gráfico, Gráfico de líneas&#10;&#10;Descripción generada automáticamente">
+            <a:extLst>
+              <a:ext uri="{FF2B5EF4-FFF2-40B4-BE49-F238E27FC236}">
+                <a16:creationId xmlns:a16="http://schemas.microsoft.com/office/drawing/2014/main" id="{7A9A79FA-CAF2-744A-87FA-EE56387E82B4}"/>
+              </a:ext>
+            </a:extLst>
+          </p:cNvPr>
+          <p:cNvPicPr>
+            <a:picLocks noGrp="1" noChangeAspect="1"/>
+          </p:cNvPicPr>
+          <p:nvPr>
+            <p:ph idx="1"/>
+          </p:nvPr>
+        </p:nvPicPr>
+        <p:blipFill>
+          <a:blip r:embed="rId2">
+            <a:extLst>
+              <a:ext uri="{28A0092B-C50C-407E-A947-70E740481C1C}">
+                <a14:useLocalDpi xmlns:a14="http://schemas.microsoft.com/office/drawing/2010/main" val="0"/>
+              </a:ext>
+            </a:extLst>
+          </a:blip>
+          <a:stretch>
+            <a:fillRect/>
+          </a:stretch>
+        </p:blipFill>
+        <p:spPr>
+          <a:xfrm>
+            <a:off x="985839" y="414339"/>
+            <a:ext cx="10429874" cy="6129336"/>
+          </a:xfrm>
+        </p:spPr>
+      </p:pic>
+    </p:spTree>
+    <p:extLst>
+      <p:ext uri="{BB962C8B-B14F-4D97-AF65-F5344CB8AC3E}">
+        <p14:creationId xmlns:p14="http://schemas.microsoft.com/office/powerpoint/2010/main" val="673976442"/>
+      </p:ext>
+    </p:extLst>
+  </p:cSld>
+  <p:clrMapOvr>
+    <a:masterClrMapping/>
+  </p:clrMapOvr>
+</p:sld>
+</file>
+
+<file path=ppt/slides/slide12.xml><?xml version="1.0" encoding="utf-8"?>
+<p:sld xmlns:a="http://schemas.openxmlformats.org/drawingml/2006/main" xmlns:r="http://schemas.openxmlformats.org/officeDocument/2006/relationships" xmlns:p="http://schemas.openxmlformats.org/presentationml/2006/main">
+  <p:cSld>
+    <p:spTree>
+      <p:nvGrpSpPr>
+        <p:cNvPr id="1" name=""/>
+        <p:cNvGrpSpPr/>
+        <p:nvPr/>
+      </p:nvGrpSpPr>
+      <p:grpSpPr>
+        <a:xfrm>
+          <a:off x="0" y="0"/>
+          <a:ext cx="0" cy="0"/>
+          <a:chOff x="0" y="0"/>
+          <a:chExt cx="0" cy="0"/>
+        </a:xfrm>
+      </p:grpSpPr>
+      <p:pic>
+        <p:nvPicPr>
+          <p:cNvPr id="5" name="Marcador de contenido 4" descr="Gráfico, Gráfico de líneas&#10;&#10;Descripción generada automáticamente">
+            <a:extLst>
+              <a:ext uri="{FF2B5EF4-FFF2-40B4-BE49-F238E27FC236}">
+                <a16:creationId xmlns:a16="http://schemas.microsoft.com/office/drawing/2014/main" id="{BADA613C-F2CA-A446-A2C2-84F9D9481744}"/>
+              </a:ext>
+            </a:extLst>
+          </p:cNvPr>
+          <p:cNvPicPr>
+            <a:picLocks noGrp="1" noChangeAspect="1"/>
+          </p:cNvPicPr>
+          <p:nvPr>
+            <p:ph idx="1"/>
+          </p:nvPr>
+        </p:nvPicPr>
+        <p:blipFill>
+          <a:blip r:embed="rId2">
+            <a:extLst>
+              <a:ext uri="{28A0092B-C50C-407E-A947-70E740481C1C}">
+                <a14:useLocalDpi xmlns:a14="http://schemas.microsoft.com/office/drawing/2010/main" val="0"/>
+              </a:ext>
+            </a:extLst>
+          </a:blip>
+          <a:stretch>
+            <a:fillRect/>
+          </a:stretch>
+        </p:blipFill>
+        <p:spPr>
+          <a:xfrm>
+            <a:off x="885826" y="671513"/>
+            <a:ext cx="10387012" cy="5822285"/>
+          </a:xfrm>
+        </p:spPr>
+      </p:pic>
+    </p:spTree>
+    <p:extLst>
+      <p:ext uri="{BB962C8B-B14F-4D97-AF65-F5344CB8AC3E}">
+        <p14:creationId xmlns:p14="http://schemas.microsoft.com/office/powerpoint/2010/main" val="315975893"/>
+      </p:ext>
+    </p:extLst>
+  </p:cSld>
+  <p:clrMapOvr>
+    <a:masterClrMapping/>
+  </p:clrMapOvr>
+</p:sld>
+</file>
+
+<file path=ppt/slides/slide13.xml><?xml version="1.0" encoding="utf-8"?>
+<p:sld xmlns:a="http://schemas.openxmlformats.org/drawingml/2006/main" xmlns:r="http://schemas.openxmlformats.org/officeDocument/2006/relationships" xmlns:p="http://schemas.openxmlformats.org/presentationml/2006/main">
+  <p:cSld>
+    <p:spTree>
+      <p:nvGrpSpPr>
+        <p:cNvPr id="1" name=""/>
+        <p:cNvGrpSpPr/>
+        <p:nvPr/>
+      </p:nvGrpSpPr>
+      <p:grpSpPr>
+        <a:xfrm>
+          <a:off x="0" y="0"/>
+          <a:ext cx="0" cy="0"/>
+          <a:chOff x="0" y="0"/>
+          <a:chExt cx="0" cy="0"/>
+        </a:xfrm>
+      </p:grpSpPr>
+      <p:sp>
+        <p:nvSpPr>
+          <p:cNvPr id="2" name="Título 1">
+            <a:extLst>
+              <a:ext uri="{FF2B5EF4-FFF2-40B4-BE49-F238E27FC236}">
+                <a16:creationId xmlns:a16="http://schemas.microsoft.com/office/drawing/2014/main" id="{B7880A84-DC02-F540-84B7-B1898AC60331}"/>
+              </a:ext>
+            </a:extLst>
+          </p:cNvPr>
+          <p:cNvSpPr>
+            <a:spLocks noGrp="1"/>
+          </p:cNvSpPr>
+          <p:nvPr>
+            <p:ph type="title"/>
+          </p:nvPr>
+        </p:nvSpPr>
+        <p:spPr/>
+        <p:txBody>
+          <a:bodyPr/>
+          <a:lstStyle/>
+          <a:p>
+            <a:pPr algn="ctr"/>
+            <a:r>
+              <a:rPr lang="es-CR" dirty="0"/>
+              <a:t>Muestra completa</a:t>
+            </a:r>
+          </a:p>
+        </p:txBody>
+      </p:sp>
+      <p:graphicFrame>
+        <p:nvGraphicFramePr>
+          <p:cNvPr id="5" name="Tabla 5">
+            <a:extLst>
+              <a:ext uri="{FF2B5EF4-FFF2-40B4-BE49-F238E27FC236}">
+                <a16:creationId xmlns:a16="http://schemas.microsoft.com/office/drawing/2014/main" id="{C37C883B-37B7-EF4A-A38C-FE0362CEE881}"/>
+              </a:ext>
+            </a:extLst>
+          </p:cNvPr>
+          <p:cNvGraphicFramePr>
+            <a:graphicFrameLocks noGrp="1"/>
+          </p:cNvGraphicFramePr>
+          <p:nvPr>
+            <p:ph idx="1"/>
+            <p:extLst>
+              <p:ext uri="{D42A27DB-BD31-4B8C-83A1-F6EECF244321}">
+                <p14:modId xmlns:p14="http://schemas.microsoft.com/office/powerpoint/2010/main" val="3957806179"/>
+              </p:ext>
+            </p:extLst>
+          </p:nvPr>
+        </p:nvGraphicFramePr>
+        <p:xfrm>
+          <a:off x="838200" y="2501900"/>
+          <a:ext cx="10515600" cy="1854200"/>
+        </p:xfrm>
+        <a:graphic>
+          <a:graphicData uri="http://schemas.openxmlformats.org/drawingml/2006/table">
+            <a:tbl>
+              <a:tblPr firstRow="1" bandRow="1">
+                <a:tableStyleId>{5C22544A-7EE6-4342-B048-85BDC9FD1C3A}</a:tableStyleId>
+              </a:tblPr>
+              <a:tblGrid>
+                <a:gridCol w="5257800">
+                  <a:extLst>
+                    <a:ext uri="{9D8B030D-6E8A-4147-A177-3AD203B41FA5}">
+                      <a16:colId xmlns:a16="http://schemas.microsoft.com/office/drawing/2014/main" val="4285785447"/>
+                    </a:ext>
+                  </a:extLst>
+                </a:gridCol>
+                <a:gridCol w="5257800">
+                  <a:extLst>
+                    <a:ext uri="{9D8B030D-6E8A-4147-A177-3AD203B41FA5}">
+                      <a16:colId xmlns:a16="http://schemas.microsoft.com/office/drawing/2014/main" val="2223592212"/>
+                    </a:ext>
+                  </a:extLst>
+                </a:gridCol>
+              </a:tblGrid>
+              <a:tr h="370840">
+                <a:tc>
+                  <a:txBody>
+                    <a:bodyPr/>
+                    <a:lstStyle/>
+                    <a:p>
+                      <a:pPr algn="ctr"/>
+                      <a:r>
+                        <a:rPr lang="es-CR" dirty="0"/>
+                        <a:t>Distribución</a:t>
+                      </a:r>
+                    </a:p>
+                  </a:txBody>
+                  <a:tcPr/>
+                </a:tc>
+                <a:tc>
+                  <a:txBody>
+                    <a:bodyPr/>
+                    <a:lstStyle/>
+                    <a:p>
+                      <a:pPr algn="ctr"/>
+                      <a:r>
+                        <a:rPr lang="es-CR" dirty="0"/>
+                        <a:t>p-value</a:t>
+                      </a:r>
+                    </a:p>
+                  </a:txBody>
+                  <a:tcPr/>
+                </a:tc>
+                <a:extLst>
+                  <a:ext uri="{0D108BD9-81ED-4DB2-BD59-A6C34878D82A}">
+                    <a16:rowId xmlns:a16="http://schemas.microsoft.com/office/drawing/2014/main" val="2057305284"/>
+                  </a:ext>
+                </a:extLst>
+              </a:tr>
+              <a:tr h="370840">
+                <a:tc>
+                  <a:txBody>
+                    <a:bodyPr/>
+                    <a:lstStyle/>
+                    <a:p>
+                      <a:pPr algn="ctr"/>
+                      <a:r>
+                        <a:rPr lang="es-CR" dirty="0"/>
+                        <a:t>Normal generalizada</a:t>
+                      </a:r>
+                    </a:p>
+                  </a:txBody>
+                  <a:tcPr/>
+                </a:tc>
+                <a:tc>
+                  <a:txBody>
+                    <a:bodyPr/>
+                    <a:lstStyle/>
+                    <a:p>
+                      <a:pPr algn="ctr"/>
+                      <a:r>
+                        <a:rPr lang="es-CR" dirty="0"/>
+                        <a:t>0.52308</a:t>
+                      </a:r>
+                    </a:p>
+                  </a:txBody>
+                  <a:tcPr/>
+                </a:tc>
+                <a:extLst>
+                  <a:ext uri="{0D108BD9-81ED-4DB2-BD59-A6C34878D82A}">
+                    <a16:rowId xmlns:a16="http://schemas.microsoft.com/office/drawing/2014/main" val="3828583997"/>
+                  </a:ext>
+                </a:extLst>
+              </a:tr>
+              <a:tr h="370840">
+                <a:tc>
+                  <a:txBody>
+                    <a:bodyPr/>
+                    <a:lstStyle/>
+                    <a:p>
+                      <a:pPr algn="ctr"/>
+                      <a:r>
+                        <a:rPr lang="es-CR" dirty="0"/>
+                        <a:t>Weibull doble</a:t>
+                      </a:r>
+                    </a:p>
+                  </a:txBody>
+                  <a:tcPr/>
+                </a:tc>
+                <a:tc>
+                  <a:txBody>
+                    <a:bodyPr/>
+                    <a:lstStyle/>
+                    <a:p>
+                      <a:pPr algn="ctr"/>
+                      <a:r>
+                        <a:rPr lang="es-CR" dirty="0"/>
+                        <a:t>0.63345</a:t>
+                      </a:r>
+                    </a:p>
+                  </a:txBody>
+                  <a:tcPr/>
+                </a:tc>
+                <a:extLst>
+                  <a:ext uri="{0D108BD9-81ED-4DB2-BD59-A6C34878D82A}">
+                    <a16:rowId xmlns:a16="http://schemas.microsoft.com/office/drawing/2014/main" val="2122328732"/>
+                  </a:ext>
+                </a:extLst>
+              </a:tr>
+              <a:tr h="370840">
+                <a:tc>
+                  <a:txBody>
+                    <a:bodyPr/>
+                    <a:lstStyle/>
+                    <a:p>
+                      <a:pPr algn="ctr"/>
+                      <a:r>
+                        <a:rPr lang="es-CR" dirty="0"/>
+                        <a:t>Gamma</a:t>
+                      </a:r>
+                    </a:p>
+                  </a:txBody>
+                  <a:tcPr/>
+                </a:tc>
+                <a:tc>
+                  <a:txBody>
+                    <a:bodyPr/>
+                    <a:lstStyle/>
+                    <a:p>
+                      <a:pPr algn="ctr"/>
+                      <a:r>
+                        <a:rPr lang="es-CR" dirty="0"/>
+                        <a:t>0.00048</a:t>
+                      </a:r>
+                    </a:p>
+                  </a:txBody>
+                  <a:tcPr/>
+                </a:tc>
+                <a:extLst>
+                  <a:ext uri="{0D108BD9-81ED-4DB2-BD59-A6C34878D82A}">
+                    <a16:rowId xmlns:a16="http://schemas.microsoft.com/office/drawing/2014/main" val="2189264350"/>
+                  </a:ext>
+                </a:extLst>
+              </a:tr>
+              <a:tr h="370840">
+                <a:tc>
+                  <a:txBody>
+                    <a:bodyPr/>
+                    <a:lstStyle/>
+                    <a:p>
+                      <a:pPr algn="ctr"/>
+                      <a:r>
+                        <a:rPr lang="es-CR" dirty="0"/>
+                        <a:t>Pareto generalizada</a:t>
+                      </a:r>
+                    </a:p>
+                  </a:txBody>
+                  <a:tcPr/>
+                </a:tc>
+                <a:tc>
+                  <a:txBody>
+                    <a:bodyPr/>
+                    <a:lstStyle/>
+                    <a:p>
+                      <a:pPr algn="ctr"/>
+                      <a:r>
+                        <a:rPr lang="es-CR" dirty="0"/>
+                        <a:t>8.25X10</a:t>
+                      </a:r>
+                      <a:r>
+                        <a:rPr lang="es-CR" baseline="30000" dirty="0"/>
+                        <a:t>-126</a:t>
+                      </a:r>
+                      <a:endParaRPr lang="es-CR" dirty="0"/>
+                    </a:p>
+                  </a:txBody>
+                  <a:tcPr/>
+                </a:tc>
+                <a:extLst>
+                  <a:ext uri="{0D108BD9-81ED-4DB2-BD59-A6C34878D82A}">
+                    <a16:rowId xmlns:a16="http://schemas.microsoft.com/office/drawing/2014/main" val="3697071112"/>
+                  </a:ext>
+                </a:extLst>
+              </a:tr>
+            </a:tbl>
+          </a:graphicData>
+        </a:graphic>
+      </p:graphicFrame>
+      <p:sp>
+        <p:nvSpPr>
+          <p:cNvPr id="6" name="CuadroTexto 5">
+            <a:extLst>
+              <a:ext uri="{FF2B5EF4-FFF2-40B4-BE49-F238E27FC236}">
+                <a16:creationId xmlns:a16="http://schemas.microsoft.com/office/drawing/2014/main" id="{A957E056-A972-E040-88B6-916CFD038042}"/>
+              </a:ext>
+            </a:extLst>
+          </p:cNvPr>
+          <p:cNvSpPr txBox="1"/>
+          <p:nvPr/>
+        </p:nvSpPr>
+        <p:spPr>
+          <a:xfrm>
+            <a:off x="2886077" y="5148261"/>
+            <a:ext cx="6143624" cy="646331"/>
+          </a:xfrm>
+          <a:prstGeom prst="rect">
+            <a:avLst/>
+          </a:prstGeom>
+          <a:noFill/>
+        </p:spPr>
+        <p:txBody>
+          <a:bodyPr wrap="square" rtlCol="0">
+            <a:spAutoFit/>
+          </a:bodyPr>
+          <a:lstStyle/>
+          <a:p>
+            <a:pPr algn="ctr"/>
+            <a:r>
+              <a:rPr lang="es-CR" dirty="0"/>
+              <a:t>Prueba Kolmogorov-Smirnov</a:t>
+            </a:r>
+          </a:p>
+          <a:p>
+            <a:pPr algn="ctr"/>
+            <a:r>
+              <a:rPr lang="es-CR" dirty="0"/>
+              <a:t>752 datos</a:t>
+            </a:r>
+          </a:p>
+        </p:txBody>
+      </p:sp>
+    </p:spTree>
+    <p:extLst>
+      <p:ext uri="{BB962C8B-B14F-4D97-AF65-F5344CB8AC3E}">
+        <p14:creationId xmlns:p14="http://schemas.microsoft.com/office/powerpoint/2010/main" val="2320348684"/>
+      </p:ext>
+    </p:extLst>
+  </p:cSld>
+  <p:clrMapOvr>
+    <a:masterClrMapping/>
+  </p:clrMapOvr>
+</p:sld>
+</file>
+
+<file path=ppt/slides/slide14.xml><?xml version="1.0" encoding="utf-8"?>
+<p:sld xmlns:a="http://schemas.openxmlformats.org/drawingml/2006/main" xmlns:r="http://schemas.openxmlformats.org/officeDocument/2006/relationships" xmlns:p="http://schemas.openxmlformats.org/presentationml/2006/main">
+  <p:cSld>
+    <p:spTree>
+      <p:nvGrpSpPr>
+        <p:cNvPr id="1" name=""/>
+        <p:cNvGrpSpPr/>
+        <p:nvPr/>
+      </p:nvGrpSpPr>
+      <p:grpSpPr>
+        <a:xfrm>
+          <a:off x="0" y="0"/>
+          <a:ext cx="0" cy="0"/>
+          <a:chOff x="0" y="0"/>
+          <a:chExt cx="0" cy="0"/>
+        </a:xfrm>
+      </p:grpSpPr>
+      <p:pic>
+        <p:nvPicPr>
+          <p:cNvPr id="5" name="Marcador de contenido 4" descr="Gráfico&#10;&#10;Descripción generada automáticamente">
+            <a:extLst>
+              <a:ext uri="{FF2B5EF4-FFF2-40B4-BE49-F238E27FC236}">
+                <a16:creationId xmlns:a16="http://schemas.microsoft.com/office/drawing/2014/main" id="{C557C7DB-E9D5-8940-B70E-83BE2147EB15}"/>
+              </a:ext>
+            </a:extLst>
+          </p:cNvPr>
+          <p:cNvPicPr>
+            <a:picLocks noGrp="1" noChangeAspect="1"/>
+          </p:cNvPicPr>
+          <p:nvPr>
+            <p:ph idx="1"/>
+          </p:nvPr>
+        </p:nvPicPr>
+        <p:blipFill>
+          <a:blip r:embed="rId2">
+            <a:extLst>
+              <a:ext uri="{28A0092B-C50C-407E-A947-70E740481C1C}">
+                <a14:useLocalDpi xmlns:a14="http://schemas.microsoft.com/office/drawing/2010/main" val="0"/>
+              </a:ext>
+            </a:extLst>
+          </a:blip>
+          <a:stretch>
+            <a:fillRect/>
+          </a:stretch>
+        </p:blipFill>
+        <p:spPr>
+          <a:xfrm>
+            <a:off x="585787" y="327819"/>
+            <a:ext cx="10958513" cy="6115050"/>
+          </a:xfrm>
+        </p:spPr>
+      </p:pic>
+    </p:spTree>
+    <p:extLst>
+      <p:ext uri="{BB962C8B-B14F-4D97-AF65-F5344CB8AC3E}">
+        <p14:creationId xmlns:p14="http://schemas.microsoft.com/office/powerpoint/2010/main" val="3025277291"/>
+      </p:ext>
+    </p:extLst>
+  </p:cSld>
+  <p:clrMapOvr>
+    <a:masterClrMapping/>
+  </p:clrMapOvr>
+</p:sld>
+</file>
+
+<file path=ppt/slides/slide15.xml><?xml version="1.0" encoding="utf-8"?>
+<p:sld xmlns:a="http://schemas.openxmlformats.org/drawingml/2006/main" xmlns:r="http://schemas.openxmlformats.org/officeDocument/2006/relationships" xmlns:p="http://schemas.openxmlformats.org/presentationml/2006/main">
+  <p:cSld>
+    <p:spTree>
+      <p:nvGrpSpPr>
+        <p:cNvPr id="1" name=""/>
+        <p:cNvGrpSpPr/>
+        <p:nvPr/>
+      </p:nvGrpSpPr>
+      <p:grpSpPr>
+        <a:xfrm>
+          <a:off x="0" y="0"/>
+          <a:ext cx="0" cy="0"/>
+          <a:chOff x="0" y="0"/>
+          <a:chExt cx="0" cy="0"/>
+        </a:xfrm>
+      </p:grpSpPr>
+      <p:pic>
+        <p:nvPicPr>
+          <p:cNvPr id="5" name="Marcador de contenido 4" descr="Gráfico, Gráfico de líneas, Gráfico de dispersión&#10;&#10;Descripción generada automáticamente">
+            <a:extLst>
+              <a:ext uri="{FF2B5EF4-FFF2-40B4-BE49-F238E27FC236}">
+                <a16:creationId xmlns:a16="http://schemas.microsoft.com/office/drawing/2014/main" id="{AD854F2C-7B54-6045-BA6F-29E481925E99}"/>
+              </a:ext>
+            </a:extLst>
+          </p:cNvPr>
+          <p:cNvPicPr>
+            <a:picLocks noGrp="1" noChangeAspect="1"/>
+          </p:cNvPicPr>
+          <p:nvPr>
+            <p:ph idx="1"/>
+          </p:nvPr>
+        </p:nvPicPr>
+        <p:blipFill>
+          <a:blip r:embed="rId2">
+            <a:extLst>
+              <a:ext uri="{28A0092B-C50C-407E-A947-70E740481C1C}">
+                <a14:useLocalDpi xmlns:a14="http://schemas.microsoft.com/office/drawing/2010/main" val="0"/>
+              </a:ext>
+            </a:extLst>
+          </a:blip>
+          <a:stretch>
+            <a:fillRect/>
+          </a:stretch>
+        </p:blipFill>
+        <p:spPr>
+          <a:xfrm>
+            <a:off x="914400" y="546657"/>
+            <a:ext cx="10186987" cy="5668405"/>
+          </a:xfrm>
+        </p:spPr>
+      </p:pic>
+    </p:spTree>
+    <p:extLst>
+      <p:ext uri="{BB962C8B-B14F-4D97-AF65-F5344CB8AC3E}">
+        <p14:creationId xmlns:p14="http://schemas.microsoft.com/office/powerpoint/2010/main" val="1643731525"/>
+      </p:ext>
+    </p:extLst>
+  </p:cSld>
+  <p:clrMapOvr>
+    <a:masterClrMapping/>
+  </p:clrMapOvr>
+</p:sld>
+</file>
+
+<file path=ppt/slides/slide16.xml><?xml version="1.0" encoding="utf-8"?>
+<p:sld xmlns:a="http://schemas.openxmlformats.org/drawingml/2006/main" xmlns:r="http://schemas.openxmlformats.org/officeDocument/2006/relationships" xmlns:p="http://schemas.openxmlformats.org/presentationml/2006/main">
+  <p:cSld>
+    <p:spTree>
+      <p:nvGrpSpPr>
+        <p:cNvPr id="1" name=""/>
+        <p:cNvGrpSpPr/>
+        <p:nvPr/>
+      </p:nvGrpSpPr>
+      <p:grpSpPr>
+        <a:xfrm>
+          <a:off x="0" y="0"/>
+          <a:ext cx="0" cy="0"/>
+          <a:chOff x="0" y="0"/>
+          <a:chExt cx="0" cy="0"/>
+        </a:xfrm>
+      </p:grpSpPr>
+      <p:sp>
+        <p:nvSpPr>
+          <p:cNvPr id="2" name="Título 1">
+            <a:extLst>
+              <a:ext uri="{FF2B5EF4-FFF2-40B4-BE49-F238E27FC236}">
+                <a16:creationId xmlns:a16="http://schemas.microsoft.com/office/drawing/2014/main" id="{B7880A84-DC02-F540-84B7-B1898AC60331}"/>
+              </a:ext>
+            </a:extLst>
+          </p:cNvPr>
+          <p:cNvSpPr>
+            <a:spLocks noGrp="1"/>
+          </p:cNvSpPr>
+          <p:nvPr>
+            <p:ph type="title"/>
+          </p:nvPr>
+        </p:nvSpPr>
+        <p:spPr/>
+        <p:txBody>
+          <a:bodyPr/>
+          <a:lstStyle/>
+          <a:p>
+            <a:pPr algn="ctr"/>
+            <a:r>
+              <a:rPr lang="es-CR" dirty="0"/>
+              <a:t>Muestra superior al 95%</a:t>
+            </a:r>
+          </a:p>
+        </p:txBody>
+      </p:sp>
+      <p:graphicFrame>
+        <p:nvGraphicFramePr>
+          <p:cNvPr id="5" name="Tabla 5">
+            <a:extLst>
+              <a:ext uri="{FF2B5EF4-FFF2-40B4-BE49-F238E27FC236}">
+                <a16:creationId xmlns:a16="http://schemas.microsoft.com/office/drawing/2014/main" id="{C37C883B-37B7-EF4A-A38C-FE0362CEE881}"/>
+              </a:ext>
+            </a:extLst>
+          </p:cNvPr>
+          <p:cNvGraphicFramePr>
+            <a:graphicFrameLocks noGrp="1"/>
+          </p:cNvGraphicFramePr>
+          <p:nvPr>
+            <p:ph idx="1"/>
+            <p:extLst>
+              <p:ext uri="{D42A27DB-BD31-4B8C-83A1-F6EECF244321}">
+                <p14:modId xmlns:p14="http://schemas.microsoft.com/office/powerpoint/2010/main" val="3310994794"/>
+              </p:ext>
+            </p:extLst>
+          </p:nvPr>
+        </p:nvGraphicFramePr>
+        <p:xfrm>
+          <a:off x="838200" y="2501900"/>
+          <a:ext cx="10515600" cy="1854200"/>
+        </p:xfrm>
+        <a:graphic>
+          <a:graphicData uri="http://schemas.openxmlformats.org/drawingml/2006/table">
+            <a:tbl>
+              <a:tblPr firstRow="1" bandRow="1">
+                <a:tableStyleId>{5C22544A-7EE6-4342-B048-85BDC9FD1C3A}</a:tableStyleId>
+              </a:tblPr>
+              <a:tblGrid>
+                <a:gridCol w="5257800">
+                  <a:extLst>
+                    <a:ext uri="{9D8B030D-6E8A-4147-A177-3AD203B41FA5}">
+                      <a16:colId xmlns:a16="http://schemas.microsoft.com/office/drawing/2014/main" val="4285785447"/>
+                    </a:ext>
+                  </a:extLst>
+                </a:gridCol>
+                <a:gridCol w="5257800">
+                  <a:extLst>
+                    <a:ext uri="{9D8B030D-6E8A-4147-A177-3AD203B41FA5}">
+                      <a16:colId xmlns:a16="http://schemas.microsoft.com/office/drawing/2014/main" val="2223592212"/>
+                    </a:ext>
+                  </a:extLst>
+                </a:gridCol>
+              </a:tblGrid>
+              <a:tr h="370840">
+                <a:tc>
+                  <a:txBody>
+                    <a:bodyPr/>
+                    <a:lstStyle/>
+                    <a:p>
+                      <a:pPr algn="ctr"/>
+                      <a:r>
+                        <a:rPr lang="es-CR" dirty="0"/>
+                        <a:t>Distribución</a:t>
+                      </a:r>
+                    </a:p>
+                  </a:txBody>
+                  <a:tcPr/>
+                </a:tc>
+                <a:tc>
+                  <a:txBody>
+                    <a:bodyPr/>
+                    <a:lstStyle/>
+                    <a:p>
+                      <a:pPr algn="ctr"/>
+                      <a:r>
+                        <a:rPr lang="es-CR" dirty="0"/>
+                        <a:t>p-value</a:t>
+                      </a:r>
+                    </a:p>
+                  </a:txBody>
+                  <a:tcPr/>
+                </a:tc>
+                <a:extLst>
+                  <a:ext uri="{0D108BD9-81ED-4DB2-BD59-A6C34878D82A}">
+                    <a16:rowId xmlns:a16="http://schemas.microsoft.com/office/drawing/2014/main" val="2057305284"/>
+                  </a:ext>
+                </a:extLst>
+              </a:tr>
+              <a:tr h="370840">
+                <a:tc>
+                  <a:txBody>
+                    <a:bodyPr/>
+                    <a:lstStyle/>
+                    <a:p>
+                      <a:pPr algn="ctr"/>
+                      <a:r>
+                        <a:rPr lang="es-CR" dirty="0"/>
+                        <a:t>Normal generalizada</a:t>
+                      </a:r>
+                    </a:p>
+                  </a:txBody>
+                  <a:tcPr/>
+                </a:tc>
+                <a:tc>
+                  <a:txBody>
+                    <a:bodyPr/>
+                    <a:lstStyle/>
+                    <a:p>
+                      <a:pPr algn="ctr"/>
+                      <a:r>
+                        <a:rPr lang="es-CR" dirty="0"/>
+                        <a:t>0.27035</a:t>
+                      </a:r>
+                    </a:p>
+                  </a:txBody>
+                  <a:tcPr/>
+                </a:tc>
+                <a:extLst>
+                  <a:ext uri="{0D108BD9-81ED-4DB2-BD59-A6C34878D82A}">
+                    <a16:rowId xmlns:a16="http://schemas.microsoft.com/office/drawing/2014/main" val="3828583997"/>
+                  </a:ext>
+                </a:extLst>
+              </a:tr>
+              <a:tr h="370840">
+                <a:tc>
+                  <a:txBody>
+                    <a:bodyPr/>
+                    <a:lstStyle/>
+                    <a:p>
+                      <a:pPr algn="ctr"/>
+                      <a:r>
+                        <a:rPr lang="es-CR" dirty="0"/>
+                        <a:t>Weibull doble</a:t>
+                      </a:r>
+                    </a:p>
+                  </a:txBody>
+                  <a:tcPr/>
+                </a:tc>
+                <a:tc>
+                  <a:txBody>
+                    <a:bodyPr/>
+                    <a:lstStyle/>
+                    <a:p>
+                      <a:pPr algn="ctr"/>
+                      <a:r>
+                        <a:rPr lang="es-CR" dirty="0"/>
+                        <a:t>0.10977</a:t>
+                      </a:r>
+                    </a:p>
+                  </a:txBody>
+                  <a:tcPr/>
+                </a:tc>
+                <a:extLst>
+                  <a:ext uri="{0D108BD9-81ED-4DB2-BD59-A6C34878D82A}">
+                    <a16:rowId xmlns:a16="http://schemas.microsoft.com/office/drawing/2014/main" val="2122328732"/>
+                  </a:ext>
+                </a:extLst>
+              </a:tr>
+              <a:tr h="370840">
+                <a:tc>
+                  <a:txBody>
+                    <a:bodyPr/>
+                    <a:lstStyle/>
+                    <a:p>
+                      <a:pPr algn="ctr"/>
+                      <a:r>
+                        <a:rPr lang="es-CR" dirty="0"/>
+                        <a:t>Gamma</a:t>
+                      </a:r>
+                    </a:p>
+                  </a:txBody>
+                  <a:tcPr/>
+                </a:tc>
+                <a:tc>
+                  <a:txBody>
+                    <a:bodyPr/>
+                    <a:lstStyle/>
+                    <a:p>
+                      <a:pPr algn="ctr"/>
+                      <a:r>
+                        <a:rPr lang="es-CR" dirty="0"/>
+                        <a:t>0.02961</a:t>
+                      </a:r>
+                    </a:p>
+                  </a:txBody>
+                  <a:tcPr/>
+                </a:tc>
+                <a:extLst>
+                  <a:ext uri="{0D108BD9-81ED-4DB2-BD59-A6C34878D82A}">
+                    <a16:rowId xmlns:a16="http://schemas.microsoft.com/office/drawing/2014/main" val="2189264350"/>
+                  </a:ext>
+                </a:extLst>
+              </a:tr>
+              <a:tr h="370840">
+                <a:tc>
+                  <a:txBody>
+                    <a:bodyPr/>
+                    <a:lstStyle/>
+                    <a:p>
+                      <a:pPr algn="ctr"/>
+                      <a:r>
+                        <a:rPr lang="es-CR" dirty="0"/>
+                        <a:t>Pareto generalizada</a:t>
+                      </a:r>
+                    </a:p>
+                  </a:txBody>
+                  <a:tcPr/>
+                </a:tc>
+                <a:tc>
+                  <a:txBody>
+                    <a:bodyPr/>
+                    <a:lstStyle/>
+                    <a:p>
+                      <a:pPr algn="ctr"/>
+                      <a:r>
+                        <a:rPr lang="es-CR" dirty="0"/>
+                        <a:t>0.07914</a:t>
+                      </a:r>
+                    </a:p>
+                  </a:txBody>
+                  <a:tcPr/>
+                </a:tc>
+                <a:extLst>
+                  <a:ext uri="{0D108BD9-81ED-4DB2-BD59-A6C34878D82A}">
+                    <a16:rowId xmlns:a16="http://schemas.microsoft.com/office/drawing/2014/main" val="3697071112"/>
+                  </a:ext>
+                </a:extLst>
+              </a:tr>
+            </a:tbl>
+          </a:graphicData>
+        </a:graphic>
+      </p:graphicFrame>
+      <p:sp>
+        <p:nvSpPr>
+          <p:cNvPr id="6" name="CuadroTexto 5">
+            <a:extLst>
+              <a:ext uri="{FF2B5EF4-FFF2-40B4-BE49-F238E27FC236}">
+                <a16:creationId xmlns:a16="http://schemas.microsoft.com/office/drawing/2014/main" id="{A957E056-A972-E040-88B6-916CFD038042}"/>
+              </a:ext>
+            </a:extLst>
+          </p:cNvPr>
+          <p:cNvSpPr txBox="1"/>
+          <p:nvPr/>
+        </p:nvSpPr>
+        <p:spPr>
+          <a:xfrm>
+            <a:off x="2886077" y="5148261"/>
+            <a:ext cx="6143624" cy="646331"/>
+          </a:xfrm>
+          <a:prstGeom prst="rect">
+            <a:avLst/>
+          </a:prstGeom>
+          <a:noFill/>
+        </p:spPr>
+        <p:txBody>
+          <a:bodyPr wrap="square" rtlCol="0">
+            <a:spAutoFit/>
+          </a:bodyPr>
+          <a:lstStyle/>
+          <a:p>
+            <a:pPr algn="ctr"/>
+            <a:r>
+              <a:rPr lang="es-CR" dirty="0"/>
+              <a:t>Prueba Kolmogorov-Smirnov</a:t>
+            </a:r>
+          </a:p>
+          <a:p>
+            <a:pPr algn="ctr"/>
+            <a:r>
+              <a:rPr lang="es-CR" dirty="0"/>
+              <a:t>38 datos</a:t>
+            </a:r>
+          </a:p>
+        </p:txBody>
+      </p:sp>
+    </p:spTree>
+    <p:extLst>
+      <p:ext uri="{BB962C8B-B14F-4D97-AF65-F5344CB8AC3E}">
+        <p14:creationId xmlns:p14="http://schemas.microsoft.com/office/powerpoint/2010/main" val="2303077148"/>
+      </p:ext>
+    </p:extLst>
+  </p:cSld>
+  <p:clrMapOvr>
+    <a:masterClrMapping/>
+  </p:clrMapOvr>
+</p:sld>
+</file>
+
+<file path=ppt/slides/slide17.xml><?xml version="1.0" encoding="utf-8"?>
+<p:sld xmlns:a="http://schemas.openxmlformats.org/drawingml/2006/main" xmlns:r="http://schemas.openxmlformats.org/officeDocument/2006/relationships" xmlns:p="http://schemas.openxmlformats.org/presentationml/2006/main">
+  <p:cSld>
+    <p:spTree>
+      <p:nvGrpSpPr>
+        <p:cNvPr id="1" name=""/>
+        <p:cNvGrpSpPr/>
+        <p:nvPr/>
+      </p:nvGrpSpPr>
+      <p:grpSpPr>
+        <a:xfrm>
+          <a:off x="0" y="0"/>
+          <a:ext cx="0" cy="0"/>
+          <a:chOff x="0" y="0"/>
+          <a:chExt cx="0" cy="0"/>
+        </a:xfrm>
+      </p:grpSpPr>
+      <p:sp>
+        <p:nvSpPr>
+          <p:cNvPr id="2" name="Título 1">
+            <a:extLst>
+              <a:ext uri="{FF2B5EF4-FFF2-40B4-BE49-F238E27FC236}">
+                <a16:creationId xmlns:a16="http://schemas.microsoft.com/office/drawing/2014/main" id="{7062CC7A-513B-604A-B6F0-D0817B887DF6}"/>
+              </a:ext>
+            </a:extLst>
+          </p:cNvPr>
+          <p:cNvSpPr>
+            <a:spLocks noGrp="1"/>
+          </p:cNvSpPr>
+          <p:nvPr>
+            <p:ph type="title"/>
+          </p:nvPr>
+        </p:nvSpPr>
+        <p:spPr>
+          <a:xfrm>
+            <a:off x="966788" y="38656"/>
+            <a:ext cx="10515600" cy="1325563"/>
+          </a:xfrm>
+        </p:spPr>
+        <p:txBody>
+          <a:bodyPr/>
+          <a:lstStyle/>
+          <a:p>
+            <a:pPr algn="ctr"/>
+            <a:r>
+              <a:rPr lang="es-CR" dirty="0"/>
+              <a:t>Frecuencias</a:t>
+            </a:r>
+          </a:p>
+        </p:txBody>
+      </p:sp>
+      <p:sp>
+        <p:nvSpPr>
+          <p:cNvPr id="8" name="CuadroTexto 7">
+            <a:extLst>
+              <a:ext uri="{FF2B5EF4-FFF2-40B4-BE49-F238E27FC236}">
+                <a16:creationId xmlns:a16="http://schemas.microsoft.com/office/drawing/2014/main" id="{E0346495-44AE-A347-94E4-90D737CBD2A4}"/>
+              </a:ext>
+            </a:extLst>
+          </p:cNvPr>
+          <p:cNvSpPr txBox="1"/>
+          <p:nvPr/>
+        </p:nvSpPr>
+        <p:spPr>
+          <a:xfrm>
+            <a:off x="9029700" y="2504790"/>
+            <a:ext cx="2575745" cy="646331"/>
+          </a:xfrm>
+          <a:prstGeom prst="rect">
+            <a:avLst/>
+          </a:prstGeom>
+          <a:noFill/>
+        </p:spPr>
+        <p:txBody>
+          <a:bodyPr wrap="square" rtlCol="0">
+            <a:spAutoFit/>
+          </a:bodyPr>
+          <a:lstStyle/>
+          <a:p>
+            <a:r>
+              <a:rPr lang="es-CR" dirty="0"/>
+              <a:t>Media = 125.5 </a:t>
+            </a:r>
+          </a:p>
+          <a:p>
+            <a:r>
+              <a:rPr lang="es-CR" dirty="0"/>
+              <a:t>Varianza = 1846.25</a:t>
+            </a:r>
+          </a:p>
+        </p:txBody>
+      </p:sp>
+      <p:pic>
+        <p:nvPicPr>
+          <p:cNvPr id="12" name="Marcador de contenido 11" descr="Gráfico, Gráfico de barras&#10;&#10;Descripción generada automáticamente">
+            <a:extLst>
+              <a:ext uri="{FF2B5EF4-FFF2-40B4-BE49-F238E27FC236}">
+                <a16:creationId xmlns:a16="http://schemas.microsoft.com/office/drawing/2014/main" id="{DEC46C50-5A56-9342-90AD-E42D3D74E450}"/>
+              </a:ext>
+            </a:extLst>
+          </p:cNvPr>
+          <p:cNvPicPr>
+            <a:picLocks noGrp="1" noChangeAspect="1"/>
+          </p:cNvPicPr>
+          <p:nvPr>
+            <p:ph idx="1"/>
+          </p:nvPr>
+        </p:nvPicPr>
+        <p:blipFill>
+          <a:blip r:embed="rId2">
+            <a:extLst>
+              <a:ext uri="{28A0092B-C50C-407E-A947-70E740481C1C}">
+                <a14:useLocalDpi xmlns:a14="http://schemas.microsoft.com/office/drawing/2010/main" val="0"/>
+              </a:ext>
+            </a:extLst>
+          </a:blip>
+          <a:stretch>
+            <a:fillRect/>
+          </a:stretch>
+        </p:blipFill>
+        <p:spPr>
+          <a:xfrm>
+            <a:off x="328613" y="963832"/>
+            <a:ext cx="8701087" cy="5310057"/>
+          </a:xfrm>
+        </p:spPr>
+      </p:pic>
+    </p:spTree>
+    <p:extLst>
+      <p:ext uri="{BB962C8B-B14F-4D97-AF65-F5344CB8AC3E}">
+        <p14:creationId xmlns:p14="http://schemas.microsoft.com/office/powerpoint/2010/main" val="3413025977"/>
+      </p:ext>
+    </p:extLst>
+  </p:cSld>
+  <p:clrMapOvr>
+    <a:masterClrMapping/>
+  </p:clrMapOvr>
+</p:sld>
+</file>
+
+<file path=ppt/slides/slide18.xml><?xml version="1.0" encoding="utf-8"?>
+<p:sld xmlns:a="http://schemas.openxmlformats.org/drawingml/2006/main" xmlns:r="http://schemas.openxmlformats.org/officeDocument/2006/relationships" xmlns:p="http://schemas.openxmlformats.org/presentationml/2006/main">
+  <p:cSld>
+    <p:spTree>
+      <p:nvGrpSpPr>
+        <p:cNvPr id="1" name=""/>
+        <p:cNvGrpSpPr/>
+        <p:nvPr/>
+      </p:nvGrpSpPr>
+      <p:grpSpPr>
+        <a:xfrm>
+          <a:off x="0" y="0"/>
+          <a:ext cx="0" cy="0"/>
+          <a:chOff x="0" y="0"/>
+          <a:chExt cx="0" cy="0"/>
+        </a:xfrm>
+      </p:grpSpPr>
+      <p:sp>
+        <p:nvSpPr>
+          <p:cNvPr id="2" name="Título 1">
+            <a:extLst>
+              <a:ext uri="{FF2B5EF4-FFF2-40B4-BE49-F238E27FC236}">
+                <a16:creationId xmlns:a16="http://schemas.microsoft.com/office/drawing/2014/main" id="{152895BF-F13B-9548-92DA-5E3DF0D6617D}"/>
+              </a:ext>
+            </a:extLst>
+          </p:cNvPr>
+          <p:cNvSpPr>
+            <a:spLocks noGrp="1"/>
+          </p:cNvSpPr>
+          <p:nvPr>
+            <p:ph type="title"/>
+          </p:nvPr>
+        </p:nvSpPr>
+        <p:spPr/>
+        <p:txBody>
+          <a:bodyPr/>
+          <a:lstStyle/>
+          <a:p>
+            <a:pPr algn="ctr"/>
+            <a:r>
+              <a:rPr lang="es-CR" dirty="0"/>
+              <a:t>Calculo del VaR</a:t>
+            </a:r>
+            <a:r>
+              <a:rPr lang="es-CR" baseline="-25000" dirty="0"/>
+              <a:t>99%</a:t>
+            </a:r>
+            <a:r>
+              <a:rPr lang="es-CR" dirty="0"/>
+              <a:t> y ES</a:t>
+            </a:r>
+            <a:r>
+              <a:rPr lang="es-CR" baseline="-25000" dirty="0"/>
+              <a:t>99%</a:t>
+            </a:r>
+            <a:endParaRPr lang="es-CR" dirty="0"/>
+          </a:p>
+        </p:txBody>
+      </p:sp>
+      <p:sp>
+        <p:nvSpPr>
+          <p:cNvPr id="3" name="Marcador de contenido 2">
+            <a:extLst>
+              <a:ext uri="{FF2B5EF4-FFF2-40B4-BE49-F238E27FC236}">
+                <a16:creationId xmlns:a16="http://schemas.microsoft.com/office/drawing/2014/main" id="{B405F931-08AB-6541-B7B3-DD71BBDFB2A7}"/>
+              </a:ext>
+            </a:extLst>
+          </p:cNvPr>
+          <p:cNvSpPr>
+            <a:spLocks noGrp="1"/>
+          </p:cNvSpPr>
+          <p:nvPr>
+            <p:ph idx="1"/>
+          </p:nvPr>
+        </p:nvSpPr>
+        <p:spPr/>
+        <p:txBody>
+          <a:bodyPr/>
+          <a:lstStyle/>
+          <a:p>
+            <a:r>
+              <a:rPr lang="es-CR" dirty="0"/>
+              <a:t>Calculo paramétrico usando una distribución </a:t>
+            </a:r>
+            <a:r>
+              <a:rPr lang="es-CR" i="1" dirty="0"/>
+              <a:t>lognormal.</a:t>
+            </a:r>
+          </a:p>
+          <a:p>
+            <a:endParaRPr lang="es-CR" i="1" dirty="0"/>
+          </a:p>
+          <a:p>
+            <a:r>
+              <a:rPr lang="es-CR" dirty="0"/>
+              <a:t>Calculo simulado usando un umbral al 95%.</a:t>
+            </a:r>
+          </a:p>
+          <a:p>
+            <a:endParaRPr lang="es-CR" dirty="0"/>
+          </a:p>
+          <a:p>
+            <a:r>
+              <a:rPr lang="es-CR" dirty="0"/>
+              <a:t>Calculo usando </a:t>
+            </a:r>
+            <a:r>
+              <a:rPr lang="es-CR" i="1" dirty="0"/>
+              <a:t>la teoría del valor extremo.</a:t>
+            </a:r>
+            <a:r>
+              <a:rPr lang="es-CR" dirty="0"/>
+              <a:t> </a:t>
+            </a:r>
+            <a:endParaRPr lang="es-CR" i="1" dirty="0"/>
+          </a:p>
+        </p:txBody>
+      </p:sp>
+    </p:spTree>
+    <p:extLst>
+      <p:ext uri="{BB962C8B-B14F-4D97-AF65-F5344CB8AC3E}">
+        <p14:creationId xmlns:p14="http://schemas.microsoft.com/office/powerpoint/2010/main" val="2798393447"/>
+      </p:ext>
+    </p:extLst>
+  </p:cSld>
+  <p:clrMapOvr>
+    <a:masterClrMapping/>
+  </p:clrMapOvr>
+</p:sld>
+</file>
+
+<file path=ppt/slides/slide2.xml><?xml version="1.0" encoding="utf-8"?>
+<p:sld xmlns:a="http://schemas.openxmlformats.org/drawingml/2006/main" xmlns:r="http://schemas.openxmlformats.org/officeDocument/2006/relationships" xmlns:p="http://schemas.openxmlformats.org/presentationml/2006/main">
+  <p:cSld>
+    <p:bg>
+      <p:bgPr>
+        <a:solidFill>
+          <a:schemeClr val="bg1"/>
+        </a:solidFill>
+        <a:effectLst/>
+      </p:bgPr>
+    </p:bg>
+    <p:spTree>
+      <p:nvGrpSpPr>
+        <p:cNvPr id="1" name=""/>
+        <p:cNvGrpSpPr/>
+        <p:nvPr/>
+      </p:nvGrpSpPr>
+      <p:grpSpPr>
+        <a:xfrm>
+          <a:off x="0" y="0"/>
+          <a:ext cx="0" cy="0"/>
+          <a:chOff x="0" y="0"/>
+          <a:chExt cx="0" cy="0"/>
+        </a:xfrm>
+      </p:grpSpPr>
+      <p:sp>
+        <p:nvSpPr>
+          <p:cNvPr id="7" name="Rectangle 6">
+            <a:extLst>
+              <a:ext uri="{FF2B5EF4-FFF2-40B4-BE49-F238E27FC236}">
+                <a16:creationId xmlns:a16="http://schemas.microsoft.com/office/drawing/2014/main" id="{23962611-DFD5-4092-AAFD-559E3DFCE2C9}"/>
+              </a:ext>
+              <a:ext uri="{C183D7F6-B498-43B3-948B-1728B52AA6E4}">
+                <adec:decorative xmlns:adec="http://schemas.microsoft.com/office/drawing/2017/decorative" val="1"/>
+              </a:ext>
+            </a:extLst>
+          </p:cNvPr>
+          <p:cNvSpPr>
+            <a:spLocks noGrp="1" noRot="1" noChangeAspect="1" noMove="1" noResize="1" noEditPoints="1" noAdjustHandles="1" noChangeArrowheads="1" noChangeShapeType="1" noTextEdit="1"/>
+          </p:cNvSpPr>
+          <p:nvPr>
+            <p:extLst>
+              <p:ext uri="{386F3935-93C4-4BCD-93E2-E3B085C9AB24}">
+                <p16:designElem xmlns:p16="http://schemas.microsoft.com/office/powerpoint/2015/main" val="1"/>
+              </p:ext>
+            </p:extLst>
+          </p:nvPr>
+        </p:nvSpPr>
+        <p:spPr>
+          <a:xfrm>
+            <a:off x="475488" y="0"/>
+            <a:ext cx="10910292" cy="6858000"/>
+          </a:xfrm>
+          <a:prstGeom prst="rect">
+            <a:avLst/>
+          </a:prstGeom>
+          <a:gradFill>
+            <a:gsLst>
+              <a:gs pos="0">
+                <a:schemeClr val="accent1">
+                  <a:lumMod val="90000"/>
+                </a:schemeClr>
+              </a:gs>
+              <a:gs pos="25000">
+                <a:schemeClr val="accent1">
+                  <a:lumMod val="90000"/>
+                </a:schemeClr>
+              </a:gs>
+              <a:gs pos="94000">
+                <a:schemeClr val="bg2">
+                  <a:lumMod val="25000"/>
+                </a:schemeClr>
+              </a:gs>
+              <a:gs pos="100000">
+                <a:schemeClr val="bg2">
+                  <a:lumMod val="25000"/>
+                </a:schemeClr>
+              </a:gs>
+            </a:gsLst>
+            <a:lin ang="4200000" scaled="0"/>
+          </a:gradFill>
+          <a:ln>
+            <a:noFill/>
+          </a:ln>
+        </p:spPr>
+        <p:style>
+          <a:lnRef idx="2">
+            <a:schemeClr val="accent1">
+              <a:shade val="50000"/>
+            </a:schemeClr>
+          </a:lnRef>
+          <a:fillRef idx="1">
+            <a:schemeClr val="accent1"/>
+          </a:fillRef>
+          <a:effectRef idx="0">
+            <a:schemeClr val="accent1"/>
+          </a:effectRef>
+          <a:fontRef idx="minor">
+            <a:schemeClr val="lt1"/>
+          </a:fontRef>
+        </p:style>
+        <p:txBody>
+          <a:bodyPr rtlCol="0" anchor="ctr"/>
+          <a:lstStyle/>
+          <a:p>
+            <a:pPr algn="ctr"/>
+            <a:endParaRPr lang="en-US"/>
+          </a:p>
+        </p:txBody>
+      </p:sp>
+      <p:pic>
+        <p:nvPicPr>
+          <p:cNvPr id="9" name="Picture 8">
+            <a:extLst>
+              <a:ext uri="{FF2B5EF4-FFF2-40B4-BE49-F238E27FC236}">
+                <a16:creationId xmlns:a16="http://schemas.microsoft.com/office/drawing/2014/main" id="{2270F1FA-0425-408F-9861-80BF5AFB276D}"/>
+              </a:ext>
+              <a:ext uri="{C183D7F6-B498-43B3-948B-1728B52AA6E4}">
+                <adec:decorative xmlns:adec="http://schemas.microsoft.com/office/drawing/2017/decorative" val="1"/>
+              </a:ext>
+            </a:extLst>
+          </p:cNvPr>
+          <p:cNvPicPr>
+            <a:picLocks noGrp="1" noRot="1" noChangeAspect="1" noMove="1" noResize="1" noEditPoints="1" noAdjustHandles="1" noChangeArrowheads="1" noChangeShapeType="1" noCrop="1"/>
+          </p:cNvPicPr>
+          <p:nvPr>
+            <p:extLst>
+              <p:ext uri="{386F3935-93C4-4BCD-93E2-E3B085C9AB24}">
+                <p16:designElem xmlns:p16="http://schemas.microsoft.com/office/powerpoint/2015/main" val="1"/>
+              </p:ext>
+            </p:extLst>
+          </p:nvPr>
+        </p:nvPicPr>
+        <p:blipFill>
+          <a:blip r:embed="rId2">
+            <a:extLst>
+              <a:ext uri="{28A0092B-C50C-407E-A947-70E740481C1C}">
+                <a14:useLocalDpi xmlns:a14="http://schemas.microsoft.com/office/drawing/2010/main" val="0"/>
+              </a:ext>
+            </a:extLst>
+          </a:blip>
+          <a:stretch>
+            <a:fillRect/>
+          </a:stretch>
+        </p:blipFill>
+        <p:spPr>
+          <a:xfrm>
+            <a:off x="0" y="0"/>
+            <a:ext cx="12192000" cy="6858000"/>
+          </a:xfrm>
+          <a:prstGeom prst="rect">
+            <a:avLst/>
+          </a:prstGeom>
+        </p:spPr>
+      </p:pic>
+      <p:sp>
+        <p:nvSpPr>
+          <p:cNvPr id="2" name="Título 1">
+            <a:extLst>
+              <a:ext uri="{FF2B5EF4-FFF2-40B4-BE49-F238E27FC236}">
+                <a16:creationId xmlns:a16="http://schemas.microsoft.com/office/drawing/2014/main" id="{7F7A70CE-C608-BD48-9383-1F5AA97983CE}"/>
+              </a:ext>
+            </a:extLst>
+          </p:cNvPr>
+          <p:cNvSpPr>
+            <a:spLocks noGrp="1"/>
+          </p:cNvSpPr>
+          <p:nvPr>
+            <p:ph type="title"/>
+          </p:nvPr>
+        </p:nvSpPr>
+        <p:spPr>
+          <a:xfrm>
+            <a:off x="3045368" y="2043663"/>
+            <a:ext cx="6105194" cy="2031055"/>
+          </a:xfrm>
+        </p:spPr>
+        <p:txBody>
+          <a:bodyPr vert="horz" lIns="91440" tIns="45720" rIns="91440" bIns="45720" rtlCol="0" anchor="b">
+            <a:normAutofit/>
+          </a:bodyPr>
+          <a:lstStyle/>
+          <a:p>
+            <a:pPr algn="ctr"/>
+            <a:r>
+              <a:rPr lang="en-US" sz="6000" kern="1200">
+                <a:solidFill>
+                  <a:srgbClr val="FFFFFF"/>
+                </a:solidFill>
+                <a:latin typeface="+mj-lt"/>
+                <a:ea typeface="+mj-ea"/>
+                <a:cs typeface="+mj-cs"/>
+              </a:rPr>
+              <a:t>Primera Presentación</a:t>
+            </a:r>
+          </a:p>
+        </p:txBody>
+      </p:sp>
+    </p:spTree>
+    <p:extLst>
+      <p:ext uri="{BB962C8B-B14F-4D97-AF65-F5344CB8AC3E}">
+        <p14:creationId xmlns:p14="http://schemas.microsoft.com/office/powerpoint/2010/main" val="1346823823"/>
       </p:ext>
     </p:extLst>
   </p:cSld>
@@ -5379,7 +7123,7 @@
           <p:cNvPr id="2" name="Título 1">
             <a:extLst>
               <a:ext uri="{FF2B5EF4-FFF2-40B4-BE49-F238E27FC236}">
-                <a16:creationId xmlns:a16="http://schemas.microsoft.com/office/drawing/2014/main" id="{A9438D92-9F7A-44A9-85C6-CF15D8D9D563}"/>
+                <a16:creationId xmlns:a16="http://schemas.microsoft.com/office/drawing/2014/main" id="{BC89EDA1-4726-4BD8-AA66-A64C8BFFF60B}"/>
               </a:ext>
             </a:extLst>
           </p:cNvPr>
@@ -5397,8 +7141,8 @@
           <a:p>
             <a:pPr algn="ctr"/>
             <a:r>
-              <a:rPr lang="es-CR" dirty="0"/>
-              <a:t>Objetivos</a:t>
+              <a:rPr lang="es-CR"/>
+              <a:t>Motivación</a:t>
             </a:r>
             <a:endParaRPr lang="es-US" dirty="0"/>
           </a:p>
@@ -5409,7 +7153,7 @@
           <p:cNvPr id="3" name="Marcador de contenido 2">
             <a:extLst>
               <a:ext uri="{FF2B5EF4-FFF2-40B4-BE49-F238E27FC236}">
-                <a16:creationId xmlns:a16="http://schemas.microsoft.com/office/drawing/2014/main" id="{71F463E3-8151-4F28-89E4-FB1D2C0D3285}"/>
+                <a16:creationId xmlns:a16="http://schemas.microsoft.com/office/drawing/2014/main" id="{A5FF779C-3AD2-4032-8251-6A30DF452EBB}"/>
               </a:ext>
             </a:extLst>
           </p:cNvPr>
@@ -5426,29 +7170,17 @@
           <a:lstStyle/>
           <a:p>
             <a:r>
-              <a:rPr lang="es-CR" dirty="0"/>
-              <a:t>Realizar inferencia estadística sobre la distribución de reclamaciones por fraude</a:t>
+              <a:rPr lang="es-CR"/>
+              <a:t>El Banco Nacional quiere saber una estimación de cuánto dinero debería reservar para realizar el pago de reclamaciones por fraude. </a:t>
             </a:r>
             <a:endParaRPr lang="es-US" dirty="0"/>
-          </a:p>
-          <a:p>
-            <a:r>
-              <a:rPr lang="es-US" dirty="0"/>
-              <a:t>Calcular el VaR y el ES al 99% mediante diferentes métodos</a:t>
-            </a:r>
-          </a:p>
-          <a:p>
-            <a:r>
-              <a:rPr lang="es-US" dirty="0"/>
-              <a:t>Realizar un reporte con los resultados junto con un script de Python listo para correr con la programación</a:t>
-            </a:r>
           </a:p>
         </p:txBody>
       </p:sp>
     </p:spTree>
     <p:extLst>
       <p:ext uri="{BB962C8B-B14F-4D97-AF65-F5344CB8AC3E}">
-        <p14:creationId xmlns:p14="http://schemas.microsoft.com/office/powerpoint/2010/main" val="1665956546"/>
+        <p14:creationId xmlns:p14="http://schemas.microsoft.com/office/powerpoint/2010/main" val="1278925943"/>
       </p:ext>
     </p:extLst>
   </p:cSld>
@@ -5480,7 +7212,7 @@
           <p:cNvPr id="2" name="Título 1">
             <a:extLst>
               <a:ext uri="{FF2B5EF4-FFF2-40B4-BE49-F238E27FC236}">
-                <a16:creationId xmlns:a16="http://schemas.microsoft.com/office/drawing/2014/main" id="{6DA526ED-9A98-4948-9568-2AC27CC2F265}"/>
+                <a16:creationId xmlns:a16="http://schemas.microsoft.com/office/drawing/2014/main" id="{A9438D92-9F7A-44A9-85C6-CF15D8D9D563}"/>
               </a:ext>
             </a:extLst>
           </p:cNvPr>
@@ -5493,17 +7225,15 @@
         </p:nvSpPr>
         <p:spPr/>
         <p:txBody>
-          <a:bodyPr>
-            <a:normAutofit/>
-          </a:bodyPr>
+          <a:bodyPr/>
           <a:lstStyle/>
           <a:p>
             <a:pPr algn="ctr"/>
             <a:r>
-              <a:rPr lang="es-CR" sz="4800" dirty="0"/>
-              <a:t>Datos</a:t>
-            </a:r>
-            <a:endParaRPr lang="es-US" sz="4800" dirty="0"/>
+              <a:rPr lang="es-CR"/>
+              <a:t>Objetivos</a:t>
+            </a:r>
+            <a:endParaRPr lang="es-US" dirty="0"/>
           </a:p>
         </p:txBody>
       </p:sp>
@@ -5512,7 +7242,7 @@
           <p:cNvPr id="3" name="Marcador de contenido 2">
             <a:extLst>
               <a:ext uri="{FF2B5EF4-FFF2-40B4-BE49-F238E27FC236}">
-                <a16:creationId xmlns:a16="http://schemas.microsoft.com/office/drawing/2014/main" id="{0F66F48D-4D57-42F8-BB15-904591C760CD}"/>
+                <a16:creationId xmlns:a16="http://schemas.microsoft.com/office/drawing/2014/main" id="{71F463E3-8151-4F28-89E4-FB1D2C0D3285}"/>
               </a:ext>
             </a:extLst>
           </p:cNvPr>
@@ -5525,94 +7255,34 @@
         </p:nvSpPr>
         <p:spPr/>
         <p:txBody>
-          <a:bodyPr>
-            <a:normAutofit fontScale="92500" lnSpcReduction="10000"/>
-          </a:bodyPr>
+          <a:bodyPr/>
           <a:lstStyle/>
           <a:p>
             <a:r>
-              <a:rPr lang="es-CR" dirty="0"/>
-              <a:t>Defraudaciones enero-junio 2020 Banco Nacional</a:t>
-            </a:r>
-          </a:p>
-          <a:p>
-            <a:r>
-              <a:rPr lang="es-CR" dirty="0"/>
-              <a:t>Variables</a:t>
-            </a:r>
-          </a:p>
-          <a:p>
-            <a:pPr lvl="1"/>
-            <a:r>
-              <a:rPr lang="es-CR" dirty="0"/>
-              <a:t>Tipo evento </a:t>
-            </a:r>
-          </a:p>
-          <a:p>
-            <a:pPr lvl="2"/>
-            <a:r>
-              <a:rPr lang="es-CR" dirty="0"/>
-              <a:t>Tarjetas de crédito</a:t>
-            </a:r>
-          </a:p>
-          <a:p>
-            <a:pPr lvl="2"/>
-            <a:r>
-              <a:rPr lang="es-CR" dirty="0"/>
-              <a:t>Tarjetas de débito</a:t>
-            </a:r>
-          </a:p>
-          <a:p>
-            <a:pPr lvl="2"/>
-            <a:r>
-              <a:rPr lang="es-CR" dirty="0"/>
-              <a:t>Incidentes cuenta 147</a:t>
-            </a:r>
-          </a:p>
-          <a:p>
-            <a:pPr lvl="1"/>
-            <a:r>
-              <a:rPr lang="es-CR" dirty="0"/>
-              <a:t>Monto</a:t>
-            </a:r>
-          </a:p>
-          <a:p>
-            <a:pPr lvl="1"/>
-            <a:r>
-              <a:rPr lang="es-CR" dirty="0"/>
-              <a:t>Fecha ocurrencia</a:t>
-            </a:r>
-          </a:p>
-          <a:p>
-            <a:pPr lvl="1"/>
-            <a:r>
-              <a:rPr lang="es-CR" dirty="0"/>
-              <a:t>Fecha descubrimiento</a:t>
-            </a:r>
-          </a:p>
-          <a:p>
-            <a:pPr lvl="1"/>
-            <a:r>
-              <a:rPr lang="es-US" dirty="0"/>
-              <a:t>Fecha registro</a:t>
-            </a:r>
-          </a:p>
-          <a:p>
-            <a:pPr lvl="1"/>
+              <a:rPr lang="es-CR"/>
+              <a:t>Realizar inferencia estadística sobre la distribución de reclamaciones por fraude</a:t>
+            </a:r>
+            <a:endParaRPr lang="es-US"/>
+          </a:p>
+          <a:p>
+            <a:r>
+              <a:rPr lang="es-US"/>
+              <a:t>Calcular el VaR y el ES al 99% mediante diferentes métodos</a:t>
+            </a:r>
+          </a:p>
+          <a:p>
+            <a:r>
+              <a:rPr lang="es-US"/>
+              <a:t>Realizar un reporte con los resultados junto con un script de Python listo para correr con la programación</a:t>
+            </a:r>
             <a:endParaRPr lang="es-US" dirty="0"/>
-          </a:p>
-          <a:p>
-            <a:r>
-              <a:rPr lang="es-US" dirty="0"/>
-              <a:t>Número de observaciones: 752</a:t>
-            </a:r>
           </a:p>
         </p:txBody>
       </p:sp>
     </p:spTree>
     <p:extLst>
       <p:ext uri="{BB962C8B-B14F-4D97-AF65-F5344CB8AC3E}">
-        <p14:creationId xmlns:p14="http://schemas.microsoft.com/office/powerpoint/2010/main" val="2174794660"/>
+        <p14:creationId xmlns:p14="http://schemas.microsoft.com/office/powerpoint/2010/main" val="1665956546"/>
       </p:ext>
     </p:extLst>
   </p:cSld>
@@ -5644,6 +7314,171 @@
           <p:cNvPr id="2" name="Título 1">
             <a:extLst>
               <a:ext uri="{FF2B5EF4-FFF2-40B4-BE49-F238E27FC236}">
+                <a16:creationId xmlns:a16="http://schemas.microsoft.com/office/drawing/2014/main" id="{6DA526ED-9A98-4948-9568-2AC27CC2F265}"/>
+              </a:ext>
+            </a:extLst>
+          </p:cNvPr>
+          <p:cNvSpPr>
+            <a:spLocks noGrp="1"/>
+          </p:cNvSpPr>
+          <p:nvPr>
+            <p:ph type="title"/>
+          </p:nvPr>
+        </p:nvSpPr>
+        <p:spPr/>
+        <p:txBody>
+          <a:bodyPr>
+            <a:normAutofit/>
+          </a:bodyPr>
+          <a:lstStyle/>
+          <a:p>
+            <a:pPr algn="ctr"/>
+            <a:r>
+              <a:rPr lang="es-CR" sz="4800"/>
+              <a:t>Datos</a:t>
+            </a:r>
+            <a:endParaRPr lang="es-US" sz="4800" dirty="0"/>
+          </a:p>
+        </p:txBody>
+      </p:sp>
+      <p:sp>
+        <p:nvSpPr>
+          <p:cNvPr id="3" name="Marcador de contenido 2">
+            <a:extLst>
+              <a:ext uri="{FF2B5EF4-FFF2-40B4-BE49-F238E27FC236}">
+                <a16:creationId xmlns:a16="http://schemas.microsoft.com/office/drawing/2014/main" id="{0F66F48D-4D57-42F8-BB15-904591C760CD}"/>
+              </a:ext>
+            </a:extLst>
+          </p:cNvPr>
+          <p:cNvSpPr>
+            <a:spLocks noGrp="1"/>
+          </p:cNvSpPr>
+          <p:nvPr>
+            <p:ph idx="1"/>
+          </p:nvPr>
+        </p:nvSpPr>
+        <p:spPr/>
+        <p:txBody>
+          <a:bodyPr>
+            <a:normAutofit fontScale="92500" lnSpcReduction="10000"/>
+          </a:bodyPr>
+          <a:lstStyle/>
+          <a:p>
+            <a:r>
+              <a:rPr lang="es-CR"/>
+              <a:t>Defraudaciones enero-junio 2020 Banco Nacional</a:t>
+            </a:r>
+          </a:p>
+          <a:p>
+            <a:r>
+              <a:rPr lang="es-CR"/>
+              <a:t>Variables</a:t>
+            </a:r>
+          </a:p>
+          <a:p>
+            <a:pPr lvl="1"/>
+            <a:r>
+              <a:rPr lang="es-CR"/>
+              <a:t>Tipo evento </a:t>
+            </a:r>
+          </a:p>
+          <a:p>
+            <a:pPr lvl="2"/>
+            <a:r>
+              <a:rPr lang="es-CR"/>
+              <a:t>Tarjetas de crédito</a:t>
+            </a:r>
+          </a:p>
+          <a:p>
+            <a:pPr lvl="2"/>
+            <a:r>
+              <a:rPr lang="es-CR"/>
+              <a:t>Tarjetas de débito</a:t>
+            </a:r>
+          </a:p>
+          <a:p>
+            <a:pPr lvl="2"/>
+            <a:r>
+              <a:rPr lang="es-CR"/>
+              <a:t>Incidentes cuenta 147</a:t>
+            </a:r>
+          </a:p>
+          <a:p>
+            <a:pPr lvl="1"/>
+            <a:r>
+              <a:rPr lang="es-CR"/>
+              <a:t>Monto</a:t>
+            </a:r>
+          </a:p>
+          <a:p>
+            <a:pPr lvl="1"/>
+            <a:r>
+              <a:rPr lang="es-CR"/>
+              <a:t>Fecha ocurrencia</a:t>
+            </a:r>
+          </a:p>
+          <a:p>
+            <a:pPr lvl="1"/>
+            <a:r>
+              <a:rPr lang="es-CR"/>
+              <a:t>Fecha descubrimiento</a:t>
+            </a:r>
+          </a:p>
+          <a:p>
+            <a:pPr lvl="1"/>
+            <a:r>
+              <a:rPr lang="es-US"/>
+              <a:t>Fecha registro</a:t>
+            </a:r>
+          </a:p>
+          <a:p>
+            <a:pPr lvl="1"/>
+            <a:endParaRPr lang="es-US"/>
+          </a:p>
+          <a:p>
+            <a:r>
+              <a:rPr lang="es-US"/>
+              <a:t>Número de observaciones: 752</a:t>
+            </a:r>
+            <a:endParaRPr lang="es-US" dirty="0"/>
+          </a:p>
+        </p:txBody>
+      </p:sp>
+    </p:spTree>
+    <p:extLst>
+      <p:ext uri="{BB962C8B-B14F-4D97-AF65-F5344CB8AC3E}">
+        <p14:creationId xmlns:p14="http://schemas.microsoft.com/office/powerpoint/2010/main" val="2174794660"/>
+      </p:ext>
+    </p:extLst>
+  </p:cSld>
+  <p:clrMapOvr>
+    <a:masterClrMapping/>
+  </p:clrMapOvr>
+</p:sld>
+</file>
+
+<file path=ppt/slides/slide6.xml><?xml version="1.0" encoding="utf-8"?>
+<p:sld xmlns:a="http://schemas.openxmlformats.org/drawingml/2006/main" xmlns:r="http://schemas.openxmlformats.org/officeDocument/2006/relationships" xmlns:p="http://schemas.openxmlformats.org/presentationml/2006/main">
+  <p:cSld>
+    <p:spTree>
+      <p:nvGrpSpPr>
+        <p:cNvPr id="1" name=""/>
+        <p:cNvGrpSpPr/>
+        <p:nvPr/>
+      </p:nvGrpSpPr>
+      <p:grpSpPr>
+        <a:xfrm>
+          <a:off x="0" y="0"/>
+          <a:ext cx="0" cy="0"/>
+          <a:chOff x="0" y="0"/>
+          <a:chExt cx="0" cy="0"/>
+        </a:xfrm>
+      </p:grpSpPr>
+      <p:sp>
+        <p:nvSpPr>
+          <p:cNvPr id="2" name="Título 1">
+            <a:extLst>
+              <a:ext uri="{FF2B5EF4-FFF2-40B4-BE49-F238E27FC236}">
                 <a16:creationId xmlns:a16="http://schemas.microsoft.com/office/drawing/2014/main" id="{C7FEEB01-6F3C-45E7-9B58-0CBF7CB0FCCE}"/>
               </a:ext>
             </a:extLst>
@@ -5662,7 +7497,7 @@
           <a:p>
             <a:pPr algn="ctr"/>
             <a:r>
-              <a:rPr lang="es-CR" dirty="0"/>
+              <a:rPr lang="es-CR"/>
               <a:t>Estadísticos de interés</a:t>
             </a:r>
             <a:endParaRPr lang="es-US" dirty="0"/>
@@ -5684,7 +7519,7 @@
               <p:nvPr>
                 <p:extLst>
                   <p:ext uri="{D42A27DB-BD31-4B8C-83A1-F6EECF244321}">
-                    <p14:modId xmlns:p14="http://schemas.microsoft.com/office/powerpoint/2010/main" val="2057194924"/>
+                    <p14:modId xmlns:p14="http://schemas.microsoft.com/office/powerpoint/2010/main" val="260869266"/>
                   </p:ext>
                 </p:extLst>
               </p:nvPr>
@@ -5748,7 +7583,7 @@
           <p:nvPr>
             <p:extLst>
               <p:ext uri="{D42A27DB-BD31-4B8C-83A1-F6EECF244321}">
-                <p14:modId xmlns:p14="http://schemas.microsoft.com/office/powerpoint/2010/main" val="859065762"/>
+                <p14:modId xmlns:p14="http://schemas.microsoft.com/office/powerpoint/2010/main" val="3440395447"/>
               </p:ext>
             </p:extLst>
           </p:nvPr>
@@ -5787,7 +7622,7 @@
                     <a:p>
                       <a:pPr algn="ctr" fontAlgn="b"/>
                       <a:r>
-                        <a:rPr lang="es-ES" sz="1600" u="none" strike="noStrike" dirty="0">
+                        <a:rPr lang="es-ES" sz="1600" u="none" strike="noStrike">
                           <a:effectLst/>
                         </a:rPr>
                         <a:t>Estadísticos de interés datos escalados</a:t>
@@ -5827,7 +7662,7 @@
                     <a:p>
                       <a:pPr algn="ctr" fontAlgn="b"/>
                       <a:r>
-                        <a:rPr lang="es-US" sz="1400" u="none" strike="noStrike" dirty="0">
+                        <a:rPr lang="es-US" sz="1400" u="none" strike="noStrike">
                           <a:effectLst/>
                         </a:rPr>
                         <a:t>Mínimo</a:t>
@@ -5850,7 +7685,7 @@
                     <a:p>
                       <a:pPr algn="ctr" fontAlgn="b"/>
                       <a:r>
-                        <a:rPr lang="es-US" sz="1400" u="none" strike="noStrike" dirty="0">
+                        <a:rPr lang="es-US" sz="1400" u="none" strike="noStrike">
                           <a:effectLst/>
                         </a:rPr>
                         <a:t>-0,0800</a:t>
@@ -5880,7 +7715,7 @@
                     <a:p>
                       <a:pPr algn="ctr" fontAlgn="b"/>
                       <a:r>
-                        <a:rPr lang="es-US" sz="1400" u="none" strike="noStrike" dirty="0">
+                        <a:rPr lang="es-US" sz="1400" u="none" strike="noStrike">
                           <a:effectLst/>
                         </a:rPr>
                         <a:t>Cuartil 1</a:t>
@@ -5903,7 +7738,7 @@
                     <a:p>
                       <a:pPr algn="ctr" fontAlgn="b"/>
                       <a:r>
-                        <a:rPr lang="es-US" sz="1400" u="none" strike="noStrike" dirty="0">
+                        <a:rPr lang="es-US" sz="1400" u="none" strike="noStrike">
                           <a:effectLst/>
                         </a:rPr>
                         <a:t>-0,0716</a:t>
@@ -5956,7 +7791,7 @@
                     <a:p>
                       <a:pPr algn="ctr" fontAlgn="b"/>
                       <a:r>
-                        <a:rPr lang="es-US" sz="1400" u="none" strike="noStrike" dirty="0">
+                        <a:rPr lang="es-US" sz="1400" u="none" strike="noStrike">
                           <a:effectLst/>
                         </a:rPr>
                         <a:t>-0,0635</a:t>
@@ -6009,7 +7844,7 @@
                     <a:p>
                       <a:pPr algn="ctr" fontAlgn="b"/>
                       <a:r>
-                        <a:rPr lang="es-US" sz="1400" u="none" strike="noStrike" dirty="0">
+                        <a:rPr lang="es-US" sz="1400" u="none" strike="noStrike">
                           <a:effectLst/>
                         </a:rPr>
                         <a:t>-0,0474</a:t>
@@ -6062,7 +7897,7 @@
                     <a:p>
                       <a:pPr algn="ctr" fontAlgn="b"/>
                       <a:r>
-                        <a:rPr lang="es-US" sz="1400" u="none" strike="noStrike" dirty="0">
+                        <a:rPr lang="es-US" sz="1400" u="none" strike="noStrike">
                           <a:effectLst/>
                         </a:rPr>
                         <a:t>27,0052</a:t>
@@ -6092,7 +7927,7 @@
                     <a:p>
                       <a:pPr algn="ctr" fontAlgn="b"/>
                       <a:r>
-                        <a:rPr lang="es-US" sz="1400" u="none" strike="noStrike" dirty="0">
+                        <a:rPr lang="es-US" sz="1400" u="none" strike="noStrike">
                           <a:effectLst/>
                         </a:rPr>
                         <a:t>IQR</a:t>
@@ -6115,7 +7950,7 @@
                     <a:p>
                       <a:pPr algn="ctr" fontAlgn="b"/>
                       <a:r>
-                        <a:rPr lang="es-US" sz="1400" u="none" strike="noStrike" dirty="0">
+                        <a:rPr lang="es-US" sz="1400" u="none" strike="noStrike">
                           <a:effectLst/>
                         </a:rPr>
                         <a:t>0,0242</a:t>
@@ -6154,7 +7989,7 @@
 </p:sld>
 </file>
 
-<file path=ppt/slides/slide6.xml><?xml version="1.0" encoding="utf-8"?>
+<file path=ppt/slides/slide7.xml><?xml version="1.0" encoding="utf-8"?>
 <p:sld xmlns:a="http://schemas.openxmlformats.org/drawingml/2006/main" xmlns:r="http://schemas.openxmlformats.org/officeDocument/2006/relationships" xmlns:p="http://schemas.openxmlformats.org/presentationml/2006/main">
   <p:cSld>
     <p:spTree>
@@ -6194,7 +8029,7 @@
           <a:p>
             <a:pPr algn="ctr"/>
             <a:r>
-              <a:rPr lang="es-CR" dirty="0"/>
+              <a:rPr lang="es-CR"/>
               <a:t>Propuestas</a:t>
             </a:r>
             <a:endParaRPr lang="es-US" dirty="0"/>
@@ -6223,47 +8058,47 @@
           <a:lstStyle/>
           <a:p>
             <a:r>
-              <a:rPr lang="es-CR" dirty="0"/>
+              <a:rPr lang="es-CR"/>
               <a:t>Aplicar transformaciones a los datos</a:t>
             </a:r>
           </a:p>
           <a:p>
             <a:r>
-              <a:rPr lang="es-CR" dirty="0"/>
+              <a:rPr lang="es-CR"/>
               <a:t>Cálculo paramétrico del VaR y ES</a:t>
             </a:r>
           </a:p>
           <a:p>
             <a:pPr lvl="1"/>
             <a:r>
-              <a:rPr lang="es-CR" dirty="0"/>
+              <a:rPr lang="es-CR"/>
               <a:t>Estadística paramétrica para determinar la distribución</a:t>
             </a:r>
           </a:p>
           <a:p>
             <a:pPr lvl="2"/>
             <a:r>
-              <a:rPr lang="es-CR" dirty="0"/>
+              <a:rPr lang="es-CR"/>
               <a:t>Gamma trasladada y potencia normal</a:t>
             </a:r>
           </a:p>
           <a:p>
             <a:pPr lvl="2"/>
             <a:r>
-              <a:rPr lang="es-CR" dirty="0"/>
+              <a:rPr lang="es-CR"/>
               <a:t>Teoría del valor extremo</a:t>
             </a:r>
-            <a:endParaRPr lang="es-US" dirty="0"/>
-          </a:p>
-          <a:p>
-            <a:r>
-              <a:rPr lang="es-US" dirty="0"/>
+            <a:endParaRPr lang="es-US"/>
+          </a:p>
+          <a:p>
+            <a:r>
+              <a:rPr lang="es-US"/>
               <a:t>Separar los datos en entrenamiento – prueba (5 meses – 1 mes sugerido)	 </a:t>
             </a:r>
           </a:p>
           <a:p>
             <a:r>
-              <a:rPr lang="es-US" dirty="0"/>
+              <a:rPr lang="es-US"/>
               <a:t>Cálculo del VaR y ES por simulación Monte Carlo</a:t>
             </a:r>
             <a:endParaRPr lang="es-CR" dirty="0"/>
@@ -6274,6 +8109,319 @@
     <p:extLst>
       <p:ext uri="{BB962C8B-B14F-4D97-AF65-F5344CB8AC3E}">
         <p14:creationId xmlns:p14="http://schemas.microsoft.com/office/powerpoint/2010/main" val="1924396975"/>
+      </p:ext>
+    </p:extLst>
+  </p:cSld>
+  <p:clrMapOvr>
+    <a:masterClrMapping/>
+  </p:clrMapOvr>
+</p:sld>
+</file>
+
+<file path=ppt/slides/slide8.xml><?xml version="1.0" encoding="utf-8"?>
+<p:sld xmlns:a="http://schemas.openxmlformats.org/drawingml/2006/main" xmlns:r="http://schemas.openxmlformats.org/officeDocument/2006/relationships" xmlns:p="http://schemas.openxmlformats.org/presentationml/2006/main">
+  <p:cSld>
+    <p:bg>
+      <p:bgPr>
+        <a:solidFill>
+          <a:schemeClr val="bg1"/>
+        </a:solidFill>
+        <a:effectLst/>
+      </p:bgPr>
+    </p:bg>
+    <p:spTree>
+      <p:nvGrpSpPr>
+        <p:cNvPr id="1" name=""/>
+        <p:cNvGrpSpPr/>
+        <p:nvPr/>
+      </p:nvGrpSpPr>
+      <p:grpSpPr>
+        <a:xfrm>
+          <a:off x="0" y="0"/>
+          <a:ext cx="0" cy="0"/>
+          <a:chOff x="0" y="0"/>
+          <a:chExt cx="0" cy="0"/>
+        </a:xfrm>
+      </p:grpSpPr>
+      <p:sp>
+        <p:nvSpPr>
+          <p:cNvPr id="7" name="Rectangle 6">
+            <a:extLst>
+              <a:ext uri="{FF2B5EF4-FFF2-40B4-BE49-F238E27FC236}">
+                <a16:creationId xmlns:a16="http://schemas.microsoft.com/office/drawing/2014/main" id="{23962611-DFD5-4092-AAFD-559E3DFCE2C9}"/>
+              </a:ext>
+              <a:ext uri="{C183D7F6-B498-43B3-948B-1728B52AA6E4}">
+                <adec:decorative xmlns:adec="http://schemas.microsoft.com/office/drawing/2017/decorative" val="1"/>
+              </a:ext>
+            </a:extLst>
+          </p:cNvPr>
+          <p:cNvSpPr>
+            <a:spLocks noGrp="1" noRot="1" noChangeAspect="1" noMove="1" noResize="1" noEditPoints="1" noAdjustHandles="1" noChangeArrowheads="1" noChangeShapeType="1" noTextEdit="1"/>
+          </p:cNvSpPr>
+          <p:nvPr>
+            <p:extLst>
+              <p:ext uri="{386F3935-93C4-4BCD-93E2-E3B085C9AB24}">
+                <p16:designElem xmlns:p16="http://schemas.microsoft.com/office/powerpoint/2015/main" val="1"/>
+              </p:ext>
+            </p:extLst>
+          </p:nvPr>
+        </p:nvSpPr>
+        <p:spPr>
+          <a:xfrm>
+            <a:off x="475488" y="0"/>
+            <a:ext cx="10910292" cy="6858000"/>
+          </a:xfrm>
+          <a:prstGeom prst="rect">
+            <a:avLst/>
+          </a:prstGeom>
+          <a:gradFill>
+            <a:gsLst>
+              <a:gs pos="0">
+                <a:schemeClr val="accent1">
+                  <a:lumMod val="90000"/>
+                </a:schemeClr>
+              </a:gs>
+              <a:gs pos="25000">
+                <a:schemeClr val="accent1">
+                  <a:lumMod val="90000"/>
+                </a:schemeClr>
+              </a:gs>
+              <a:gs pos="94000">
+                <a:schemeClr val="bg2">
+                  <a:lumMod val="25000"/>
+                </a:schemeClr>
+              </a:gs>
+              <a:gs pos="100000">
+                <a:schemeClr val="bg2">
+                  <a:lumMod val="25000"/>
+                </a:schemeClr>
+              </a:gs>
+            </a:gsLst>
+            <a:lin ang="4200000" scaled="0"/>
+          </a:gradFill>
+          <a:ln>
+            <a:noFill/>
+          </a:ln>
+        </p:spPr>
+        <p:style>
+          <a:lnRef idx="2">
+            <a:schemeClr val="accent1">
+              <a:shade val="50000"/>
+            </a:schemeClr>
+          </a:lnRef>
+          <a:fillRef idx="1">
+            <a:schemeClr val="accent1"/>
+          </a:fillRef>
+          <a:effectRef idx="0">
+            <a:schemeClr val="accent1"/>
+          </a:effectRef>
+          <a:fontRef idx="minor">
+            <a:schemeClr val="lt1"/>
+          </a:fontRef>
+        </p:style>
+        <p:txBody>
+          <a:bodyPr rtlCol="0" anchor="ctr"/>
+          <a:lstStyle/>
+          <a:p>
+            <a:pPr algn="ctr"/>
+            <a:endParaRPr lang="en-US"/>
+          </a:p>
+        </p:txBody>
+      </p:sp>
+      <p:pic>
+        <p:nvPicPr>
+          <p:cNvPr id="9" name="Picture 8">
+            <a:extLst>
+              <a:ext uri="{FF2B5EF4-FFF2-40B4-BE49-F238E27FC236}">
+                <a16:creationId xmlns:a16="http://schemas.microsoft.com/office/drawing/2014/main" id="{2270F1FA-0425-408F-9861-80BF5AFB276D}"/>
+              </a:ext>
+              <a:ext uri="{C183D7F6-B498-43B3-948B-1728B52AA6E4}">
+                <adec:decorative xmlns:adec="http://schemas.microsoft.com/office/drawing/2017/decorative" val="1"/>
+              </a:ext>
+            </a:extLst>
+          </p:cNvPr>
+          <p:cNvPicPr>
+            <a:picLocks noGrp="1" noRot="1" noChangeAspect="1" noMove="1" noResize="1" noEditPoints="1" noAdjustHandles="1" noChangeArrowheads="1" noChangeShapeType="1" noCrop="1"/>
+          </p:cNvPicPr>
+          <p:nvPr>
+            <p:extLst>
+              <p:ext uri="{386F3935-93C4-4BCD-93E2-E3B085C9AB24}">
+                <p16:designElem xmlns:p16="http://schemas.microsoft.com/office/powerpoint/2015/main" val="1"/>
+              </p:ext>
+            </p:extLst>
+          </p:nvPr>
+        </p:nvPicPr>
+        <p:blipFill>
+          <a:blip r:embed="rId2">
+            <a:extLst>
+              <a:ext uri="{28A0092B-C50C-407E-A947-70E740481C1C}">
+                <a14:useLocalDpi xmlns:a14="http://schemas.microsoft.com/office/drawing/2010/main" val="0"/>
+              </a:ext>
+            </a:extLst>
+          </a:blip>
+          <a:stretch>
+            <a:fillRect/>
+          </a:stretch>
+        </p:blipFill>
+        <p:spPr>
+          <a:xfrm>
+            <a:off x="0" y="0"/>
+            <a:ext cx="12192000" cy="6858000"/>
+          </a:xfrm>
+          <a:prstGeom prst="rect">
+            <a:avLst/>
+          </a:prstGeom>
+        </p:spPr>
+      </p:pic>
+      <p:sp>
+        <p:nvSpPr>
+          <p:cNvPr id="2" name="Título 1">
+            <a:extLst>
+              <a:ext uri="{FF2B5EF4-FFF2-40B4-BE49-F238E27FC236}">
+                <a16:creationId xmlns:a16="http://schemas.microsoft.com/office/drawing/2014/main" id="{CE2D974B-CC52-9D47-9ACB-FF2D144EC927}"/>
+              </a:ext>
+            </a:extLst>
+          </p:cNvPr>
+          <p:cNvSpPr>
+            <a:spLocks noGrp="1"/>
+          </p:cNvSpPr>
+          <p:nvPr>
+            <p:ph type="title"/>
+          </p:nvPr>
+        </p:nvSpPr>
+        <p:spPr>
+          <a:xfrm>
+            <a:off x="3045368" y="2043663"/>
+            <a:ext cx="6105194" cy="2031055"/>
+          </a:xfrm>
+        </p:spPr>
+        <p:txBody>
+          <a:bodyPr vert="horz" lIns="91440" tIns="45720" rIns="91440" bIns="45720" rtlCol="0" anchor="b">
+            <a:normAutofit/>
+          </a:bodyPr>
+          <a:lstStyle/>
+          <a:p>
+            <a:pPr algn="ctr"/>
+            <a:r>
+              <a:rPr lang="en-US" sz="6000" kern="1200">
+                <a:solidFill>
+                  <a:srgbClr val="FFFFFF"/>
+                </a:solidFill>
+                <a:latin typeface="+mj-lt"/>
+                <a:ea typeface="+mj-ea"/>
+                <a:cs typeface="+mj-cs"/>
+              </a:rPr>
+              <a:t>Segunda Presentación</a:t>
+            </a:r>
+          </a:p>
+        </p:txBody>
+      </p:sp>
+    </p:spTree>
+    <p:extLst>
+      <p:ext uri="{BB962C8B-B14F-4D97-AF65-F5344CB8AC3E}">
+        <p14:creationId xmlns:p14="http://schemas.microsoft.com/office/powerpoint/2010/main" val="878421653"/>
+      </p:ext>
+    </p:extLst>
+  </p:cSld>
+  <p:clrMapOvr>
+    <a:masterClrMapping/>
+  </p:clrMapOvr>
+</p:sld>
+</file>
+
+<file path=ppt/slides/slide9.xml><?xml version="1.0" encoding="utf-8"?>
+<p:sld xmlns:a="http://schemas.openxmlformats.org/drawingml/2006/main" xmlns:r="http://schemas.openxmlformats.org/officeDocument/2006/relationships" xmlns:p="http://schemas.openxmlformats.org/presentationml/2006/main">
+  <p:cSld>
+    <p:spTree>
+      <p:nvGrpSpPr>
+        <p:cNvPr id="1" name=""/>
+        <p:cNvGrpSpPr/>
+        <p:nvPr/>
+      </p:nvGrpSpPr>
+      <p:grpSpPr>
+        <a:xfrm>
+          <a:off x="0" y="0"/>
+          <a:ext cx="0" cy="0"/>
+          <a:chOff x="0" y="0"/>
+          <a:chExt cx="0" cy="0"/>
+        </a:xfrm>
+      </p:grpSpPr>
+      <p:sp>
+        <p:nvSpPr>
+          <p:cNvPr id="2" name="Título 1">
+            <a:extLst>
+              <a:ext uri="{FF2B5EF4-FFF2-40B4-BE49-F238E27FC236}">
+                <a16:creationId xmlns:a16="http://schemas.microsoft.com/office/drawing/2014/main" id="{A9438D92-9F7A-44A9-85C6-CF15D8D9D563}"/>
+              </a:ext>
+            </a:extLst>
+          </p:cNvPr>
+          <p:cNvSpPr>
+            <a:spLocks noGrp="1"/>
+          </p:cNvSpPr>
+          <p:nvPr>
+            <p:ph type="title"/>
+          </p:nvPr>
+        </p:nvSpPr>
+        <p:spPr/>
+        <p:txBody>
+          <a:bodyPr/>
+          <a:lstStyle/>
+          <a:p>
+            <a:pPr algn="ctr"/>
+            <a:r>
+              <a:rPr lang="es-CR"/>
+              <a:t>Objetivos</a:t>
+            </a:r>
+            <a:endParaRPr lang="es-US" dirty="0"/>
+          </a:p>
+        </p:txBody>
+      </p:sp>
+      <p:sp>
+        <p:nvSpPr>
+          <p:cNvPr id="3" name="Marcador de contenido 2">
+            <a:extLst>
+              <a:ext uri="{FF2B5EF4-FFF2-40B4-BE49-F238E27FC236}">
+                <a16:creationId xmlns:a16="http://schemas.microsoft.com/office/drawing/2014/main" id="{71F463E3-8151-4F28-89E4-FB1D2C0D3285}"/>
+              </a:ext>
+            </a:extLst>
+          </p:cNvPr>
+          <p:cNvSpPr>
+            <a:spLocks noGrp="1"/>
+          </p:cNvSpPr>
+          <p:nvPr>
+            <p:ph idx="1"/>
+          </p:nvPr>
+        </p:nvSpPr>
+        <p:spPr/>
+        <p:txBody>
+          <a:bodyPr/>
+          <a:lstStyle/>
+          <a:p>
+            <a:r>
+              <a:rPr lang="es-CR"/>
+              <a:t>Realizar inferencia estadística sobre la distribución de reclamaciones por fraude</a:t>
+            </a:r>
+            <a:endParaRPr lang="es-US"/>
+          </a:p>
+          <a:p>
+            <a:r>
+              <a:rPr lang="es-US"/>
+              <a:t>Calcular el VaR y el ES al 99% mediante diferentes métodos</a:t>
+            </a:r>
+          </a:p>
+          <a:p>
+            <a:r>
+              <a:rPr lang="es-US"/>
+              <a:t>Realizar un reporte con los resultados junto con un script de Python listo para correr con la programación</a:t>
+            </a:r>
+            <a:endParaRPr lang="es-US" dirty="0"/>
+          </a:p>
+        </p:txBody>
+      </p:sp>
+    </p:spTree>
+    <p:extLst>
+      <p:ext uri="{BB962C8B-B14F-4D97-AF65-F5344CB8AC3E}">
+        <p14:creationId xmlns:p14="http://schemas.microsoft.com/office/powerpoint/2010/main" val="3676700614"/>
       </p:ext>
     </p:extLst>
   </p:cSld>

--- a/Presentación proyecto.pptx
+++ b/Presentación proyecto.pptx
@@ -5,7 +5,7 @@
     <p:sldMasterId id="2147483648" r:id="rId1"/>
   </p:sldMasterIdLst>
   <p:notesMasterIdLst>
-    <p:notesMasterId r:id="rId20"/>
+    <p:notesMasterId r:id="rId19"/>
   </p:notesMasterIdLst>
   <p:sldIdLst>
     <p:sldId id="256" r:id="rId2"/>
@@ -16,16 +16,15 @@
     <p:sldId id="259" r:id="rId7"/>
     <p:sldId id="261" r:id="rId8"/>
     <p:sldId id="263" r:id="rId9"/>
-    <p:sldId id="269" r:id="rId10"/>
-    <p:sldId id="264" r:id="rId11"/>
-    <p:sldId id="265" r:id="rId12"/>
-    <p:sldId id="266" r:id="rId13"/>
-    <p:sldId id="267" r:id="rId14"/>
-    <p:sldId id="270" r:id="rId15"/>
-    <p:sldId id="271" r:id="rId16"/>
-    <p:sldId id="273" r:id="rId17"/>
-    <p:sldId id="274" r:id="rId18"/>
-    <p:sldId id="275" r:id="rId19"/>
+    <p:sldId id="264" r:id="rId10"/>
+    <p:sldId id="265" r:id="rId11"/>
+    <p:sldId id="266" r:id="rId12"/>
+    <p:sldId id="267" r:id="rId13"/>
+    <p:sldId id="270" r:id="rId14"/>
+    <p:sldId id="271" r:id="rId15"/>
+    <p:sldId id="273" r:id="rId16"/>
+    <p:sldId id="274" r:id="rId17"/>
+    <p:sldId id="275" r:id="rId18"/>
   </p:sldIdLst>
   <p:sldSz cx="12192000" cy="6858000"/>
   <p:notesSz cx="6858000" cy="9144000"/>
@@ -5652,10 +5651,10 @@
       </p:grpSpPr>
       <p:pic>
         <p:nvPicPr>
-          <p:cNvPr id="5" name="Marcador de contenido 4" descr="Gráfico, Gráfico de líneas, Histograma&#10;&#10;Descripción generada automáticamente">
-            <a:extLst>
-              <a:ext uri="{FF2B5EF4-FFF2-40B4-BE49-F238E27FC236}">
-                <a16:creationId xmlns:a16="http://schemas.microsoft.com/office/drawing/2014/main" id="{B50D3D90-32BF-3949-BB8A-2F9BAE4B8597}"/>
+          <p:cNvPr id="5" name="Marcador de contenido 4" descr="Gráfico, Gráfico de líneas&#10;&#10;Descripción generada automáticamente">
+            <a:extLst>
+              <a:ext uri="{FF2B5EF4-FFF2-40B4-BE49-F238E27FC236}">
+                <a16:creationId xmlns:a16="http://schemas.microsoft.com/office/drawing/2014/main" id="{7A9A79FA-CAF2-744A-87FA-EE56387E82B4}"/>
               </a:ext>
             </a:extLst>
           </p:cNvPr>
@@ -5680,15 +5679,15 @@
         </p:blipFill>
         <p:spPr>
           <a:xfrm>
-            <a:off x="412597" y="271463"/>
-            <a:ext cx="11174565" cy="6221412"/>
+            <a:off x="985839" y="414339"/>
+            <a:ext cx="10429874" cy="6129336"/>
           </a:xfrm>
         </p:spPr>
       </p:pic>
     </p:spTree>
     <p:extLst>
       <p:ext uri="{BB962C8B-B14F-4D97-AF65-F5344CB8AC3E}">
-        <p14:creationId xmlns:p14="http://schemas.microsoft.com/office/powerpoint/2010/main" val="2414638441"/>
+        <p14:creationId xmlns:p14="http://schemas.microsoft.com/office/powerpoint/2010/main" val="673976442"/>
       </p:ext>
     </p:extLst>
   </p:cSld>
@@ -5720,71 +5719,6 @@
           <p:cNvPr id="5" name="Marcador de contenido 4" descr="Gráfico, Gráfico de líneas&#10;&#10;Descripción generada automáticamente">
             <a:extLst>
               <a:ext uri="{FF2B5EF4-FFF2-40B4-BE49-F238E27FC236}">
-                <a16:creationId xmlns:a16="http://schemas.microsoft.com/office/drawing/2014/main" id="{7A9A79FA-CAF2-744A-87FA-EE56387E82B4}"/>
-              </a:ext>
-            </a:extLst>
-          </p:cNvPr>
-          <p:cNvPicPr>
-            <a:picLocks noGrp="1" noChangeAspect="1"/>
-          </p:cNvPicPr>
-          <p:nvPr>
-            <p:ph idx="1"/>
-          </p:nvPr>
-        </p:nvPicPr>
-        <p:blipFill>
-          <a:blip r:embed="rId2">
-            <a:extLst>
-              <a:ext uri="{28A0092B-C50C-407E-A947-70E740481C1C}">
-                <a14:useLocalDpi xmlns:a14="http://schemas.microsoft.com/office/drawing/2010/main" val="0"/>
-              </a:ext>
-            </a:extLst>
-          </a:blip>
-          <a:stretch>
-            <a:fillRect/>
-          </a:stretch>
-        </p:blipFill>
-        <p:spPr>
-          <a:xfrm>
-            <a:off x="985839" y="414339"/>
-            <a:ext cx="10429874" cy="6129336"/>
-          </a:xfrm>
-        </p:spPr>
-      </p:pic>
-    </p:spTree>
-    <p:extLst>
-      <p:ext uri="{BB962C8B-B14F-4D97-AF65-F5344CB8AC3E}">
-        <p14:creationId xmlns:p14="http://schemas.microsoft.com/office/powerpoint/2010/main" val="673976442"/>
-      </p:ext>
-    </p:extLst>
-  </p:cSld>
-  <p:clrMapOvr>
-    <a:masterClrMapping/>
-  </p:clrMapOvr>
-</p:sld>
-</file>
-
-<file path=ppt/slides/slide12.xml><?xml version="1.0" encoding="utf-8"?>
-<p:sld xmlns:a="http://schemas.openxmlformats.org/drawingml/2006/main" xmlns:r="http://schemas.openxmlformats.org/officeDocument/2006/relationships" xmlns:p="http://schemas.openxmlformats.org/presentationml/2006/main">
-  <p:cSld>
-    <p:spTree>
-      <p:nvGrpSpPr>
-        <p:cNvPr id="1" name=""/>
-        <p:cNvGrpSpPr/>
-        <p:nvPr/>
-      </p:nvGrpSpPr>
-      <p:grpSpPr>
-        <a:xfrm>
-          <a:off x="0" y="0"/>
-          <a:ext cx="0" cy="0"/>
-          <a:chOff x="0" y="0"/>
-          <a:chExt cx="0" cy="0"/>
-        </a:xfrm>
-      </p:grpSpPr>
-      <p:pic>
-        <p:nvPicPr>
-          <p:cNvPr id="5" name="Marcador de contenido 4" descr="Gráfico, Gráfico de líneas&#10;&#10;Descripción generada automáticamente">
-            <a:extLst>
-              <a:ext uri="{FF2B5EF4-FFF2-40B4-BE49-F238E27FC236}">
                 <a16:creationId xmlns:a16="http://schemas.microsoft.com/office/drawing/2014/main" id="{BADA613C-F2CA-A446-A2C2-84F9D9481744}"/>
               </a:ext>
             </a:extLst>
@@ -5828,7 +5762,7 @@
 </p:sld>
 </file>
 
-<file path=ppt/slides/slide13.xml><?xml version="1.0" encoding="utf-8"?>
+<file path=ppt/slides/slide12.xml><?xml version="1.0" encoding="utf-8"?>
 <p:sld xmlns:a="http://schemas.openxmlformats.org/drawingml/2006/main" xmlns:r="http://schemas.openxmlformats.org/officeDocument/2006/relationships" xmlns:p="http://schemas.openxmlformats.org/presentationml/2006/main">
   <p:cSld>
     <p:spTree>
@@ -6161,7 +6095,7 @@
 </p:sld>
 </file>
 
-<file path=ppt/slides/slide14.xml><?xml version="1.0" encoding="utf-8"?>
+<file path=ppt/slides/slide13.xml><?xml version="1.0" encoding="utf-8"?>
 <p:sld xmlns:a="http://schemas.openxmlformats.org/drawingml/2006/main" xmlns:r="http://schemas.openxmlformats.org/officeDocument/2006/relationships" xmlns:p="http://schemas.openxmlformats.org/presentationml/2006/main">
   <p:cSld>
     <p:spTree>
@@ -6226,7 +6160,7 @@
 </p:sld>
 </file>
 
-<file path=ppt/slides/slide15.xml><?xml version="1.0" encoding="utf-8"?>
+<file path=ppt/slides/slide14.xml><?xml version="1.0" encoding="utf-8"?>
 <p:sld xmlns:a="http://schemas.openxmlformats.org/drawingml/2006/main" xmlns:r="http://schemas.openxmlformats.org/officeDocument/2006/relationships" xmlns:p="http://schemas.openxmlformats.org/presentationml/2006/main">
   <p:cSld>
     <p:spTree>
@@ -6291,7 +6225,7 @@
 </p:sld>
 </file>
 
-<file path=ppt/slides/slide16.xml><?xml version="1.0" encoding="utf-8"?>
+<file path=ppt/slides/slide15.xml><?xml version="1.0" encoding="utf-8"?>
 <p:sld xmlns:a="http://schemas.openxmlformats.org/drawingml/2006/main" xmlns:r="http://schemas.openxmlformats.org/officeDocument/2006/relationships" xmlns:p="http://schemas.openxmlformats.org/presentationml/2006/main">
   <p:cSld>
     <p:spTree>
@@ -6619,7 +6553,7 @@
 </p:sld>
 </file>
 
-<file path=ppt/slides/slide17.xml><?xml version="1.0" encoding="utf-8"?>
+<file path=ppt/slides/slide16.xml><?xml version="1.0" encoding="utf-8"?>
 <p:sld xmlns:a="http://schemas.openxmlformats.org/drawingml/2006/main" xmlns:r="http://schemas.openxmlformats.org/officeDocument/2006/relationships" xmlns:p="http://schemas.openxmlformats.org/presentationml/2006/main">
   <p:cSld>
     <p:spTree>
@@ -6759,7 +6693,7 @@
 </p:sld>
 </file>
 
-<file path=ppt/slides/slide18.xml><?xml version="1.0" encoding="utf-8"?>
+<file path=ppt/slides/slide17.xml><?xml version="1.0" encoding="utf-8"?>
 <p:sld xmlns:a="http://schemas.openxmlformats.org/drawingml/2006/main" xmlns:r="http://schemas.openxmlformats.org/officeDocument/2006/relationships" xmlns:p="http://schemas.openxmlformats.org/presentationml/2006/main">
   <p:cSld>
     <p:spTree>
@@ -7504,8 +7438,8 @@
           </a:p>
         </p:txBody>
       </p:sp>
-      <mc:AlternateContent xmlns:mc="http://schemas.openxmlformats.org/markup-compatibility/2006">
-        <mc:Choice xmlns:cx1="http://schemas.microsoft.com/office/drawing/2015/9/8/chartex" Requires="cx1">
+      <mc:AlternateContent xmlns:mc="http://schemas.openxmlformats.org/markup-compatibility/2006" xmlns:cx1="http://schemas.microsoft.com/office/drawing/2015/9/8/chartex">
+        <mc:Choice Requires="cx1">
           <p:graphicFrame>
             <p:nvGraphicFramePr>
               <p:cNvPr id="12" name="Gráfico 11">
@@ -7535,7 +7469,7 @@
             </a:graphic>
           </p:graphicFrame>
         </mc:Choice>
-        <mc:Fallback>
+        <mc:Fallback xmlns="">
           <p:pic>
             <p:nvPicPr>
               <p:cNvPr id="12" name="Gráfico 11">
@@ -8346,82 +8280,45 @@
           <a:chExt cx="0" cy="0"/>
         </a:xfrm>
       </p:grpSpPr>
-      <p:sp>
-        <p:nvSpPr>
-          <p:cNvPr id="2" name="Título 1">
-            <a:extLst>
-              <a:ext uri="{FF2B5EF4-FFF2-40B4-BE49-F238E27FC236}">
-                <a16:creationId xmlns:a16="http://schemas.microsoft.com/office/drawing/2014/main" id="{A9438D92-9F7A-44A9-85C6-CF15D8D9D563}"/>
-              </a:ext>
-            </a:extLst>
-          </p:cNvPr>
-          <p:cNvSpPr>
-            <a:spLocks noGrp="1"/>
-          </p:cNvSpPr>
-          <p:nvPr>
-            <p:ph type="title"/>
-          </p:nvPr>
-        </p:nvSpPr>
-        <p:spPr/>
-        <p:txBody>
-          <a:bodyPr/>
-          <a:lstStyle/>
-          <a:p>
-            <a:pPr algn="ctr"/>
-            <a:r>
-              <a:rPr lang="es-CR"/>
-              <a:t>Objetivos</a:t>
-            </a:r>
-            <a:endParaRPr lang="es-US" dirty="0"/>
-          </a:p>
-        </p:txBody>
-      </p:sp>
-      <p:sp>
-        <p:nvSpPr>
-          <p:cNvPr id="3" name="Marcador de contenido 2">
-            <a:extLst>
-              <a:ext uri="{FF2B5EF4-FFF2-40B4-BE49-F238E27FC236}">
-                <a16:creationId xmlns:a16="http://schemas.microsoft.com/office/drawing/2014/main" id="{71F463E3-8151-4F28-89E4-FB1D2C0D3285}"/>
-              </a:ext>
-            </a:extLst>
-          </p:cNvPr>
-          <p:cNvSpPr>
-            <a:spLocks noGrp="1"/>
-          </p:cNvSpPr>
+      <p:pic>
+        <p:nvPicPr>
+          <p:cNvPr id="5" name="Marcador de contenido 4" descr="Gráfico, Gráfico de líneas, Histograma&#10;&#10;Descripción generada automáticamente">
+            <a:extLst>
+              <a:ext uri="{FF2B5EF4-FFF2-40B4-BE49-F238E27FC236}">
+                <a16:creationId xmlns:a16="http://schemas.microsoft.com/office/drawing/2014/main" id="{B50D3D90-32BF-3949-BB8A-2F9BAE4B8597}"/>
+              </a:ext>
+            </a:extLst>
+          </p:cNvPr>
+          <p:cNvPicPr>
+            <a:picLocks noGrp="1" noChangeAspect="1"/>
+          </p:cNvPicPr>
           <p:nvPr>
             <p:ph idx="1"/>
           </p:nvPr>
-        </p:nvSpPr>
-        <p:spPr/>
-        <p:txBody>
-          <a:bodyPr/>
-          <a:lstStyle/>
-          <a:p>
-            <a:r>
-              <a:rPr lang="es-CR"/>
-              <a:t>Realizar inferencia estadística sobre la distribución de reclamaciones por fraude</a:t>
-            </a:r>
-            <a:endParaRPr lang="es-US"/>
-          </a:p>
-          <a:p>
-            <a:r>
-              <a:rPr lang="es-US"/>
-              <a:t>Calcular el VaR y el ES al 99% mediante diferentes métodos</a:t>
-            </a:r>
-          </a:p>
-          <a:p>
-            <a:r>
-              <a:rPr lang="es-US"/>
-              <a:t>Realizar un reporte con los resultados junto con un script de Python listo para correr con la programación</a:t>
-            </a:r>
-            <a:endParaRPr lang="es-US" dirty="0"/>
-          </a:p>
-        </p:txBody>
-      </p:sp>
+        </p:nvPicPr>
+        <p:blipFill>
+          <a:blip r:embed="rId2">
+            <a:extLst>
+              <a:ext uri="{28A0092B-C50C-407E-A947-70E740481C1C}">
+                <a14:useLocalDpi xmlns:a14="http://schemas.microsoft.com/office/drawing/2010/main" val="0"/>
+              </a:ext>
+            </a:extLst>
+          </a:blip>
+          <a:stretch>
+            <a:fillRect/>
+          </a:stretch>
+        </p:blipFill>
+        <p:spPr>
+          <a:xfrm>
+            <a:off x="412597" y="271463"/>
+            <a:ext cx="11174565" cy="6221412"/>
+          </a:xfrm>
+        </p:spPr>
+      </p:pic>
     </p:spTree>
     <p:extLst>
       <p:ext uri="{BB962C8B-B14F-4D97-AF65-F5344CB8AC3E}">
-        <p14:creationId xmlns:p14="http://schemas.microsoft.com/office/powerpoint/2010/main" val="3676700614"/>
+        <p14:creationId xmlns:p14="http://schemas.microsoft.com/office/powerpoint/2010/main" val="2414638441"/>
       </p:ext>
     </p:extLst>
   </p:cSld>

--- a/Presentación proyecto.pptx
+++ b/Presentación proyecto.pptx
@@ -1603,7 +1603,7 @@
           <a:p>
             <a:fld id="{A6605511-2EB2-4EBE-8938-DAD8529E22EE}" type="datetimeFigureOut">
               <a:rPr lang="es-US" smtClean="0"/>
-              <a:t>11/6/20</a:t>
+              <a:t>11/8/20</a:t>
             </a:fld>
             <a:endParaRPr lang="es-US"/>
           </a:p>
@@ -2104,7 +2104,7 @@
           <a:p>
             <a:fld id="{4BFA584C-C60C-47FE-9B0A-85EFDC4310B6}" type="datetimeFigureOut">
               <a:rPr lang="es-US" smtClean="0"/>
-              <a:t>11/6/20</a:t>
+              <a:t>11/8/20</a:t>
             </a:fld>
             <a:endParaRPr lang="es-US"/>
           </a:p>
@@ -2304,7 +2304,7 @@
           <a:p>
             <a:fld id="{4BFA584C-C60C-47FE-9B0A-85EFDC4310B6}" type="datetimeFigureOut">
               <a:rPr lang="es-US" smtClean="0"/>
-              <a:t>11/6/20</a:t>
+              <a:t>11/8/20</a:t>
             </a:fld>
             <a:endParaRPr lang="es-US"/>
           </a:p>
@@ -2514,7 +2514,7 @@
           <a:p>
             <a:fld id="{4BFA584C-C60C-47FE-9B0A-85EFDC4310B6}" type="datetimeFigureOut">
               <a:rPr lang="es-US" smtClean="0"/>
-              <a:t>11/6/20</a:t>
+              <a:t>11/8/20</a:t>
             </a:fld>
             <a:endParaRPr lang="es-US"/>
           </a:p>
@@ -2714,7 +2714,7 @@
           <a:p>
             <a:fld id="{4BFA584C-C60C-47FE-9B0A-85EFDC4310B6}" type="datetimeFigureOut">
               <a:rPr lang="es-US" smtClean="0"/>
-              <a:t>11/6/20</a:t>
+              <a:t>11/8/20</a:t>
             </a:fld>
             <a:endParaRPr lang="es-US"/>
           </a:p>
@@ -2990,7 +2990,7 @@
           <a:p>
             <a:fld id="{4BFA584C-C60C-47FE-9B0A-85EFDC4310B6}" type="datetimeFigureOut">
               <a:rPr lang="es-US" smtClean="0"/>
-              <a:t>11/6/20</a:t>
+              <a:t>11/8/20</a:t>
             </a:fld>
             <a:endParaRPr lang="es-US"/>
           </a:p>
@@ -3258,7 +3258,7 @@
           <a:p>
             <a:fld id="{4BFA584C-C60C-47FE-9B0A-85EFDC4310B6}" type="datetimeFigureOut">
               <a:rPr lang="es-US" smtClean="0"/>
-              <a:t>11/6/20</a:t>
+              <a:t>11/8/20</a:t>
             </a:fld>
             <a:endParaRPr lang="es-US"/>
           </a:p>
@@ -3673,7 +3673,7 @@
           <a:p>
             <a:fld id="{4BFA584C-C60C-47FE-9B0A-85EFDC4310B6}" type="datetimeFigureOut">
               <a:rPr lang="es-US" smtClean="0"/>
-              <a:t>11/6/20</a:t>
+              <a:t>11/8/20</a:t>
             </a:fld>
             <a:endParaRPr lang="es-US"/>
           </a:p>
@@ -3815,7 +3815,7 @@
           <a:p>
             <a:fld id="{4BFA584C-C60C-47FE-9B0A-85EFDC4310B6}" type="datetimeFigureOut">
               <a:rPr lang="es-US" smtClean="0"/>
-              <a:t>11/6/20</a:t>
+              <a:t>11/8/20</a:t>
             </a:fld>
             <a:endParaRPr lang="es-US"/>
           </a:p>
@@ -3928,7 +3928,7 @@
           <a:p>
             <a:fld id="{4BFA584C-C60C-47FE-9B0A-85EFDC4310B6}" type="datetimeFigureOut">
               <a:rPr lang="es-US" smtClean="0"/>
-              <a:t>11/6/20</a:t>
+              <a:t>11/8/20</a:t>
             </a:fld>
             <a:endParaRPr lang="es-US"/>
           </a:p>
@@ -4241,7 +4241,7 @@
           <a:p>
             <a:fld id="{4BFA584C-C60C-47FE-9B0A-85EFDC4310B6}" type="datetimeFigureOut">
               <a:rPr lang="es-US" smtClean="0"/>
-              <a:t>11/6/20</a:t>
+              <a:t>11/8/20</a:t>
             </a:fld>
             <a:endParaRPr lang="es-US"/>
           </a:p>
@@ -4530,7 +4530,7 @@
           <a:p>
             <a:fld id="{4BFA584C-C60C-47FE-9B0A-85EFDC4310B6}" type="datetimeFigureOut">
               <a:rPr lang="es-US" smtClean="0"/>
-              <a:t>11/6/20</a:t>
+              <a:t>11/8/20</a:t>
             </a:fld>
             <a:endParaRPr lang="es-US"/>
           </a:p>
@@ -4773,7 +4773,7 @@
           <a:p>
             <a:fld id="{4BFA584C-C60C-47FE-9B0A-85EFDC4310B6}" type="datetimeFigureOut">
               <a:rPr lang="es-US" smtClean="0"/>
-              <a:t>11/6/20</a:t>
+              <a:t>11/8/20</a:t>
             </a:fld>
             <a:endParaRPr lang="es-US"/>
           </a:p>
@@ -6634,13 +6634,13 @@
           <a:p>
             <a:r>
               <a:rPr lang="es-CR" dirty="0"/>
-              <a:t>Media = 125.5 </a:t>
+              <a:t>Media = 125.33</a:t>
             </a:r>
           </a:p>
           <a:p>
             <a:r>
               <a:rPr lang="es-CR" dirty="0"/>
-              <a:t>Varianza = 1846.25</a:t>
+              <a:t>Varianza = 1859.88</a:t>
             </a:r>
           </a:p>
         </p:txBody>

--- a/Presentación proyecto.pptx
+++ b/Presentación proyecto.pptx
@@ -5,7 +5,7 @@
     <p:sldMasterId id="2147483648" r:id="rId1"/>
   </p:sldMasterIdLst>
   <p:notesMasterIdLst>
-    <p:notesMasterId r:id="rId19"/>
+    <p:notesMasterId r:id="rId21"/>
   </p:notesMasterIdLst>
   <p:sldIdLst>
     <p:sldId id="256" r:id="rId2"/>
@@ -25,6 +25,8 @@
     <p:sldId id="273" r:id="rId16"/>
     <p:sldId id="274" r:id="rId17"/>
     <p:sldId id="275" r:id="rId18"/>
+    <p:sldId id="277" r:id="rId19"/>
+    <p:sldId id="276" r:id="rId20"/>
   </p:sldIdLst>
   <p:sldSz cx="12192000" cy="6858000"/>
   <p:notesSz cx="6858000" cy="9144000"/>
@@ -141,6 +143,96 @@
     </p:extLst>
   </p:cmAuthor>
 </p:cmAuthorLst>
+</file>
+
+<file path=ppt/revisionInfo.xml><?xml version="1.0" encoding="utf-8"?>
+<p1510:revInfo xmlns:a="http://schemas.openxmlformats.org/drawingml/2006/main" xmlns:r="http://schemas.openxmlformats.org/officeDocument/2006/relationships" xmlns:p1510="http://schemas.microsoft.com/office/powerpoint/2015/10/main">
+  <p1510:revLst>
+    <p1510:client id="{2BF0604E-5B63-4E6A-89AF-70406B78D522}" v="4" dt="2020-11-17T00:27:52.165"/>
+  </p1510:revLst>
+</p1510:revInfo>
+</file>
+
+<file path=ppt/changesInfos/changesInfo1.xml><?xml version="1.0" encoding="utf-8"?>
+<pc:chgInfo xmlns:a="http://schemas.openxmlformats.org/drawingml/2006/main" xmlns:r="http://schemas.openxmlformats.org/officeDocument/2006/relationships" xmlns:ac="http://schemas.microsoft.com/office/drawing/2013/main/command" xmlns:pc="http://schemas.microsoft.com/office/powerpoint/2013/main/command">
+  <pc:docChgLst>
+    <pc:chgData name="Amel Cáceres" userId="5e7c57242aae7358" providerId="LiveId" clId="{2BF0604E-5B63-4E6A-89AF-70406B78D522}"/>
+    <pc:docChg chg="addSld delSld modSld sldOrd">
+      <pc:chgData name="Amel Cáceres" userId="5e7c57242aae7358" providerId="LiveId" clId="{2BF0604E-5B63-4E6A-89AF-70406B78D522}" dt="2020-11-17T00:29:08.385" v="26" actId="20577"/>
+      <pc:docMkLst>
+        <pc:docMk/>
+      </pc:docMkLst>
+      <pc:sldChg chg="addSp delSp modSp new">
+        <pc:chgData name="Amel Cáceres" userId="5e7c57242aae7358" providerId="LiveId" clId="{2BF0604E-5B63-4E6A-89AF-70406B78D522}" dt="2020-11-17T00:27:30.372" v="2"/>
+        <pc:sldMkLst>
+          <pc:docMk/>
+          <pc:sldMk cId="2558715095" sldId="276"/>
+        </pc:sldMkLst>
+        <pc:spChg chg="add del">
+          <ac:chgData name="Amel Cáceres" userId="5e7c57242aae7358" providerId="LiveId" clId="{2BF0604E-5B63-4E6A-89AF-70406B78D522}" dt="2020-11-17T00:27:30.372" v="2"/>
+          <ac:spMkLst>
+            <pc:docMk/>
+            <pc:sldMk cId="2558715095" sldId="276"/>
+            <ac:spMk id="3" creationId="{65EEC8F0-F879-432B-81F0-EEF313017490}"/>
+          </ac:spMkLst>
+        </pc:spChg>
+        <pc:graphicFrameChg chg="add del mod">
+          <ac:chgData name="Amel Cáceres" userId="5e7c57242aae7358" providerId="LiveId" clId="{2BF0604E-5B63-4E6A-89AF-70406B78D522}" dt="2020-11-17T00:27:30.372" v="2"/>
+          <ac:graphicFrameMkLst>
+            <pc:docMk/>
+            <pc:sldMk cId="2558715095" sldId="276"/>
+            <ac:graphicFrameMk id="4" creationId="{F5C4B0BE-D68E-4E69-A652-6C9CFAFB356D}"/>
+          </ac:graphicFrameMkLst>
+        </pc:graphicFrameChg>
+      </pc:sldChg>
+      <pc:sldChg chg="add del">
+        <pc:chgData name="Amel Cáceres" userId="5e7c57242aae7358" providerId="LiveId" clId="{2BF0604E-5B63-4E6A-89AF-70406B78D522}" dt="2020-11-17T00:28:38.667" v="7" actId="2696"/>
+        <pc:sldMkLst>
+          <pc:docMk/>
+          <pc:sldMk cId="1423573229" sldId="277"/>
+        </pc:sldMkLst>
+      </pc:sldChg>
+      <pc:sldChg chg="addSp delSp add del setBg delDesignElem">
+        <pc:chgData name="Amel Cáceres" userId="5e7c57242aae7358" providerId="LiveId" clId="{2BF0604E-5B63-4E6A-89AF-70406B78D522}" dt="2020-11-17T00:27:52.162" v="5"/>
+        <pc:sldMkLst>
+          <pc:docMk/>
+          <pc:sldMk cId="1882730855" sldId="277"/>
+        </pc:sldMkLst>
+        <pc:spChg chg="add del">
+          <ac:chgData name="Amel Cáceres" userId="5e7c57242aae7358" providerId="LiveId" clId="{2BF0604E-5B63-4E6A-89AF-70406B78D522}" dt="2020-11-17T00:27:52.162" v="5"/>
+          <ac:spMkLst>
+            <pc:docMk/>
+            <pc:sldMk cId="1882730855" sldId="277"/>
+            <ac:spMk id="7" creationId="{23962611-DFD5-4092-AAFD-559E3DFCE2C9}"/>
+          </ac:spMkLst>
+        </pc:spChg>
+        <pc:picChg chg="add del">
+          <ac:chgData name="Amel Cáceres" userId="5e7c57242aae7358" providerId="LiveId" clId="{2BF0604E-5B63-4E6A-89AF-70406B78D522}" dt="2020-11-17T00:27:52.162" v="5"/>
+          <ac:picMkLst>
+            <pc:docMk/>
+            <pc:sldMk cId="1882730855" sldId="277"/>
+            <ac:picMk id="9" creationId="{2270F1FA-0425-408F-9861-80BF5AFB276D}"/>
+          </ac:picMkLst>
+        </pc:picChg>
+      </pc:sldChg>
+      <pc:sldChg chg="modSp add mod ord">
+        <pc:chgData name="Amel Cáceres" userId="5e7c57242aae7358" providerId="LiveId" clId="{2BF0604E-5B63-4E6A-89AF-70406B78D522}" dt="2020-11-17T00:29:08.385" v="26" actId="20577"/>
+        <pc:sldMkLst>
+          <pc:docMk/>
+          <pc:sldMk cId="2333774977" sldId="277"/>
+        </pc:sldMkLst>
+        <pc:spChg chg="mod">
+          <ac:chgData name="Amel Cáceres" userId="5e7c57242aae7358" providerId="LiveId" clId="{2BF0604E-5B63-4E6A-89AF-70406B78D522}" dt="2020-11-17T00:29:08.385" v="26" actId="20577"/>
+          <ac:spMkLst>
+            <pc:docMk/>
+            <pc:sldMk cId="2333774977" sldId="277"/>
+            <ac:spMk id="2" creationId="{CE2D974B-CC52-9D47-9ACB-FF2D144EC927}"/>
+          </ac:spMkLst>
+        </pc:spChg>
+      </pc:sldChg>
+    </pc:docChg>
+  </pc:docChgLst>
+</pc:chgInfo>
 </file>
 
 <file path=ppt/charts/chartEx1.xml><?xml version="1.0" encoding="utf-8"?>
@@ -1603,7 +1695,7 @@
           <a:p>
             <a:fld id="{A6605511-2EB2-4EBE-8938-DAD8529E22EE}" type="datetimeFigureOut">
               <a:rPr lang="es-US" smtClean="0"/>
-              <a:t>11/8/20</a:t>
+              <a:t>11/16/2020</a:t>
             </a:fld>
             <a:endParaRPr lang="es-US"/>
           </a:p>
@@ -1762,7 +1854,7 @@
           <a:p>
             <a:fld id="{0B8547A7-9E1A-4F2C-A66F-B76B187E5DAD}" type="slidenum">
               <a:rPr lang="es-US" smtClean="0"/>
-              <a:t>‹Nº›</a:t>
+              <a:t>‹#›</a:t>
             </a:fld>
             <a:endParaRPr lang="es-US"/>
           </a:p>
@@ -2104,7 +2196,7 @@
           <a:p>
             <a:fld id="{4BFA584C-C60C-47FE-9B0A-85EFDC4310B6}" type="datetimeFigureOut">
               <a:rPr lang="es-US" smtClean="0"/>
-              <a:t>11/8/20</a:t>
+              <a:t>11/16/2020</a:t>
             </a:fld>
             <a:endParaRPr lang="es-US"/>
           </a:p>
@@ -2158,7 +2250,7 @@
           <a:p>
             <a:fld id="{254ECC3D-3847-4A50-9DBA-AFAAD590617D}" type="slidenum">
               <a:rPr lang="es-US" smtClean="0"/>
-              <a:t>‹Nº›</a:t>
+              <a:t>‹#›</a:t>
             </a:fld>
             <a:endParaRPr lang="es-US"/>
           </a:p>
@@ -2304,7 +2396,7 @@
           <a:p>
             <a:fld id="{4BFA584C-C60C-47FE-9B0A-85EFDC4310B6}" type="datetimeFigureOut">
               <a:rPr lang="es-US" smtClean="0"/>
-              <a:t>11/8/20</a:t>
+              <a:t>11/16/2020</a:t>
             </a:fld>
             <a:endParaRPr lang="es-US"/>
           </a:p>
@@ -2358,7 +2450,7 @@
           <a:p>
             <a:fld id="{254ECC3D-3847-4A50-9DBA-AFAAD590617D}" type="slidenum">
               <a:rPr lang="es-US" smtClean="0"/>
-              <a:t>‹Nº›</a:t>
+              <a:t>‹#›</a:t>
             </a:fld>
             <a:endParaRPr lang="es-US"/>
           </a:p>
@@ -2514,7 +2606,7 @@
           <a:p>
             <a:fld id="{4BFA584C-C60C-47FE-9B0A-85EFDC4310B6}" type="datetimeFigureOut">
               <a:rPr lang="es-US" smtClean="0"/>
-              <a:t>11/8/20</a:t>
+              <a:t>11/16/2020</a:t>
             </a:fld>
             <a:endParaRPr lang="es-US"/>
           </a:p>
@@ -2568,7 +2660,7 @@
           <a:p>
             <a:fld id="{254ECC3D-3847-4A50-9DBA-AFAAD590617D}" type="slidenum">
               <a:rPr lang="es-US" smtClean="0"/>
-              <a:t>‹Nº›</a:t>
+              <a:t>‹#›</a:t>
             </a:fld>
             <a:endParaRPr lang="es-US"/>
           </a:p>
@@ -2714,7 +2806,7 @@
           <a:p>
             <a:fld id="{4BFA584C-C60C-47FE-9B0A-85EFDC4310B6}" type="datetimeFigureOut">
               <a:rPr lang="es-US" smtClean="0"/>
-              <a:t>11/8/20</a:t>
+              <a:t>11/16/2020</a:t>
             </a:fld>
             <a:endParaRPr lang="es-US"/>
           </a:p>
@@ -2768,7 +2860,7 @@
           <a:p>
             <a:fld id="{254ECC3D-3847-4A50-9DBA-AFAAD590617D}" type="slidenum">
               <a:rPr lang="es-US" smtClean="0"/>
-              <a:t>‹Nº›</a:t>
+              <a:t>‹#›</a:t>
             </a:fld>
             <a:endParaRPr lang="es-US"/>
           </a:p>
@@ -2990,7 +3082,7 @@
           <a:p>
             <a:fld id="{4BFA584C-C60C-47FE-9B0A-85EFDC4310B6}" type="datetimeFigureOut">
               <a:rPr lang="es-US" smtClean="0"/>
-              <a:t>11/8/20</a:t>
+              <a:t>11/16/2020</a:t>
             </a:fld>
             <a:endParaRPr lang="es-US"/>
           </a:p>
@@ -3044,7 +3136,7 @@
           <a:p>
             <a:fld id="{254ECC3D-3847-4A50-9DBA-AFAAD590617D}" type="slidenum">
               <a:rPr lang="es-US" smtClean="0"/>
-              <a:t>‹Nº›</a:t>
+              <a:t>‹#›</a:t>
             </a:fld>
             <a:endParaRPr lang="es-US"/>
           </a:p>
@@ -3258,7 +3350,7 @@
           <a:p>
             <a:fld id="{4BFA584C-C60C-47FE-9B0A-85EFDC4310B6}" type="datetimeFigureOut">
               <a:rPr lang="es-US" smtClean="0"/>
-              <a:t>11/8/20</a:t>
+              <a:t>11/16/2020</a:t>
             </a:fld>
             <a:endParaRPr lang="es-US"/>
           </a:p>
@@ -3312,7 +3404,7 @@
           <a:p>
             <a:fld id="{254ECC3D-3847-4A50-9DBA-AFAAD590617D}" type="slidenum">
               <a:rPr lang="es-US" smtClean="0"/>
-              <a:t>‹Nº›</a:t>
+              <a:t>‹#›</a:t>
             </a:fld>
             <a:endParaRPr lang="es-US"/>
           </a:p>
@@ -3673,7 +3765,7 @@
           <a:p>
             <a:fld id="{4BFA584C-C60C-47FE-9B0A-85EFDC4310B6}" type="datetimeFigureOut">
               <a:rPr lang="es-US" smtClean="0"/>
-              <a:t>11/8/20</a:t>
+              <a:t>11/16/2020</a:t>
             </a:fld>
             <a:endParaRPr lang="es-US"/>
           </a:p>
@@ -3727,7 +3819,7 @@
           <a:p>
             <a:fld id="{254ECC3D-3847-4A50-9DBA-AFAAD590617D}" type="slidenum">
               <a:rPr lang="es-US" smtClean="0"/>
-              <a:t>‹Nº›</a:t>
+              <a:t>‹#›</a:t>
             </a:fld>
             <a:endParaRPr lang="es-US"/>
           </a:p>
@@ -3815,7 +3907,7 @@
           <a:p>
             <a:fld id="{4BFA584C-C60C-47FE-9B0A-85EFDC4310B6}" type="datetimeFigureOut">
               <a:rPr lang="es-US" smtClean="0"/>
-              <a:t>11/8/20</a:t>
+              <a:t>11/16/2020</a:t>
             </a:fld>
             <a:endParaRPr lang="es-US"/>
           </a:p>
@@ -3869,7 +3961,7 @@
           <a:p>
             <a:fld id="{254ECC3D-3847-4A50-9DBA-AFAAD590617D}" type="slidenum">
               <a:rPr lang="es-US" smtClean="0"/>
-              <a:t>‹Nº›</a:t>
+              <a:t>‹#›</a:t>
             </a:fld>
             <a:endParaRPr lang="es-US"/>
           </a:p>
@@ -3928,7 +4020,7 @@
           <a:p>
             <a:fld id="{4BFA584C-C60C-47FE-9B0A-85EFDC4310B6}" type="datetimeFigureOut">
               <a:rPr lang="es-US" smtClean="0"/>
-              <a:t>11/8/20</a:t>
+              <a:t>11/16/2020</a:t>
             </a:fld>
             <a:endParaRPr lang="es-US"/>
           </a:p>
@@ -3982,7 +4074,7 @@
           <a:p>
             <a:fld id="{254ECC3D-3847-4A50-9DBA-AFAAD590617D}" type="slidenum">
               <a:rPr lang="es-US" smtClean="0"/>
-              <a:t>‹Nº›</a:t>
+              <a:t>‹#›</a:t>
             </a:fld>
             <a:endParaRPr lang="es-US"/>
           </a:p>
@@ -4241,7 +4333,7 @@
           <a:p>
             <a:fld id="{4BFA584C-C60C-47FE-9B0A-85EFDC4310B6}" type="datetimeFigureOut">
               <a:rPr lang="es-US" smtClean="0"/>
-              <a:t>11/8/20</a:t>
+              <a:t>11/16/2020</a:t>
             </a:fld>
             <a:endParaRPr lang="es-US"/>
           </a:p>
@@ -4295,7 +4387,7 @@
           <a:p>
             <a:fld id="{254ECC3D-3847-4A50-9DBA-AFAAD590617D}" type="slidenum">
               <a:rPr lang="es-US" smtClean="0"/>
-              <a:t>‹Nº›</a:t>
+              <a:t>‹#›</a:t>
             </a:fld>
             <a:endParaRPr lang="es-US"/>
           </a:p>
@@ -4530,7 +4622,7 @@
           <a:p>
             <a:fld id="{4BFA584C-C60C-47FE-9B0A-85EFDC4310B6}" type="datetimeFigureOut">
               <a:rPr lang="es-US" smtClean="0"/>
-              <a:t>11/8/20</a:t>
+              <a:t>11/16/2020</a:t>
             </a:fld>
             <a:endParaRPr lang="es-US"/>
           </a:p>
@@ -4584,7 +4676,7 @@
           <a:p>
             <a:fld id="{254ECC3D-3847-4A50-9DBA-AFAAD590617D}" type="slidenum">
               <a:rPr lang="es-US" smtClean="0"/>
-              <a:t>‹Nº›</a:t>
+              <a:t>‹#›</a:t>
             </a:fld>
             <a:endParaRPr lang="es-US"/>
           </a:p>
@@ -4773,7 +4865,7 @@
           <a:p>
             <a:fld id="{4BFA584C-C60C-47FE-9B0A-85EFDC4310B6}" type="datetimeFigureOut">
               <a:rPr lang="es-US" smtClean="0"/>
-              <a:t>11/8/20</a:t>
+              <a:t>11/16/2020</a:t>
             </a:fld>
             <a:endParaRPr lang="es-US"/>
           </a:p>
@@ -4863,7 +4955,7 @@
           <a:p>
             <a:fld id="{254ECC3D-3847-4A50-9DBA-AFAAD590617D}" type="slidenum">
               <a:rPr lang="es-US" smtClean="0"/>
-              <a:t>‹Nº›</a:t>
+              <a:t>‹#›</a:t>
             </a:fld>
             <a:endParaRPr lang="es-US"/>
           </a:p>
@@ -6824,7 +6916,7 @@
 </p:sld>
 </file>
 
-<file path=ppt/slides/slide2.xml><?xml version="1.0" encoding="utf-8"?>
+<file path=ppt/slides/slide18.xml><?xml version="1.0" encoding="utf-8"?>
 <p:sld xmlns:a="http://schemas.openxmlformats.org/drawingml/2006/main" xmlns:r="http://schemas.openxmlformats.org/officeDocument/2006/relationships" xmlns:p="http://schemas.openxmlformats.org/presentationml/2006/main">
   <p:cSld>
     <p:bg>
@@ -6984,6 +7076,324 @@
           <p:cNvPr id="2" name="Título 1">
             <a:extLst>
               <a:ext uri="{FF2B5EF4-FFF2-40B4-BE49-F238E27FC236}">
+                <a16:creationId xmlns:a16="http://schemas.microsoft.com/office/drawing/2014/main" id="{CE2D974B-CC52-9D47-9ACB-FF2D144EC927}"/>
+              </a:ext>
+            </a:extLst>
+          </p:cNvPr>
+          <p:cNvSpPr>
+            <a:spLocks noGrp="1"/>
+          </p:cNvSpPr>
+          <p:nvPr>
+            <p:ph type="title"/>
+          </p:nvPr>
+        </p:nvSpPr>
+        <p:spPr>
+          <a:xfrm>
+            <a:off x="3045368" y="2043663"/>
+            <a:ext cx="6105194" cy="2031055"/>
+          </a:xfrm>
+        </p:spPr>
+        <p:txBody>
+          <a:bodyPr vert="horz" lIns="91440" tIns="45720" rIns="91440" bIns="45720" rtlCol="0" anchor="b">
+            <a:normAutofit/>
+          </a:bodyPr>
+          <a:lstStyle/>
+          <a:p>
+            <a:pPr algn="ctr"/>
+            <a:r>
+              <a:rPr lang="en-US" sz="6000" dirty="0" err="1">
+                <a:solidFill>
+                  <a:srgbClr val="FFFFFF"/>
+                </a:solidFill>
+              </a:rPr>
+              <a:t>Tercera</a:t>
+            </a:r>
+            <a:r>
+              <a:rPr lang="en-US" sz="6000" kern="1200" dirty="0">
+                <a:solidFill>
+                  <a:srgbClr val="FFFFFF"/>
+                </a:solidFill>
+                <a:latin typeface="+mj-lt"/>
+                <a:ea typeface="+mj-ea"/>
+                <a:cs typeface="+mj-cs"/>
+              </a:rPr>
+              <a:t> </a:t>
+            </a:r>
+            <a:r>
+              <a:rPr lang="en-US" sz="6000" kern="1200" dirty="0" err="1">
+                <a:solidFill>
+                  <a:srgbClr val="FFFFFF"/>
+                </a:solidFill>
+                <a:latin typeface="+mj-lt"/>
+                <a:ea typeface="+mj-ea"/>
+                <a:cs typeface="+mj-cs"/>
+              </a:rPr>
+              <a:t>Presentación</a:t>
+            </a:r>
+            <a:endParaRPr lang="en-US" sz="6000" kern="1200" dirty="0">
+              <a:solidFill>
+                <a:srgbClr val="FFFFFF"/>
+              </a:solidFill>
+              <a:latin typeface="+mj-lt"/>
+              <a:ea typeface="+mj-ea"/>
+              <a:cs typeface="+mj-cs"/>
+            </a:endParaRPr>
+          </a:p>
+        </p:txBody>
+      </p:sp>
+    </p:spTree>
+    <p:extLst>
+      <p:ext uri="{BB962C8B-B14F-4D97-AF65-F5344CB8AC3E}">
+        <p14:creationId xmlns:p14="http://schemas.microsoft.com/office/powerpoint/2010/main" val="2333774977"/>
+      </p:ext>
+    </p:extLst>
+  </p:cSld>
+  <p:clrMapOvr>
+    <a:masterClrMapping/>
+  </p:clrMapOvr>
+</p:sld>
+</file>
+
+<file path=ppt/slides/slide19.xml><?xml version="1.0" encoding="utf-8"?>
+<p:sld xmlns:a="http://schemas.openxmlformats.org/drawingml/2006/main" xmlns:r="http://schemas.openxmlformats.org/officeDocument/2006/relationships" xmlns:p="http://schemas.openxmlformats.org/presentationml/2006/main">
+  <p:cSld>
+    <p:spTree>
+      <p:nvGrpSpPr>
+        <p:cNvPr id="1" name=""/>
+        <p:cNvGrpSpPr/>
+        <p:nvPr/>
+      </p:nvGrpSpPr>
+      <p:grpSpPr>
+        <a:xfrm>
+          <a:off x="0" y="0"/>
+          <a:ext cx="0" cy="0"/>
+          <a:chOff x="0" y="0"/>
+          <a:chExt cx="0" cy="0"/>
+        </a:xfrm>
+      </p:grpSpPr>
+      <p:sp>
+        <p:nvSpPr>
+          <p:cNvPr id="2" name="Title 1">
+            <a:extLst>
+              <a:ext uri="{FF2B5EF4-FFF2-40B4-BE49-F238E27FC236}">
+                <a16:creationId xmlns:a16="http://schemas.microsoft.com/office/drawing/2014/main" id="{F3449239-6126-4045-BFB7-FF76324DFF08}"/>
+              </a:ext>
+            </a:extLst>
+          </p:cNvPr>
+          <p:cNvSpPr>
+            <a:spLocks noGrp="1"/>
+          </p:cNvSpPr>
+          <p:nvPr>
+            <p:ph type="title"/>
+          </p:nvPr>
+        </p:nvSpPr>
+        <p:spPr/>
+        <p:txBody>
+          <a:bodyPr/>
+          <a:lstStyle/>
+          <a:p>
+            <a:endParaRPr lang="en-US"/>
+          </a:p>
+        </p:txBody>
+      </p:sp>
+      <p:sp>
+        <p:nvSpPr>
+          <p:cNvPr id="3" name="Content Placeholder 2">
+            <a:extLst>
+              <a:ext uri="{FF2B5EF4-FFF2-40B4-BE49-F238E27FC236}">
+                <a16:creationId xmlns:a16="http://schemas.microsoft.com/office/drawing/2014/main" id="{65EEC8F0-F879-432B-81F0-EEF313017490}"/>
+              </a:ext>
+            </a:extLst>
+          </p:cNvPr>
+          <p:cNvSpPr>
+            <a:spLocks noGrp="1"/>
+          </p:cNvSpPr>
+          <p:nvPr>
+            <p:ph idx="1"/>
+          </p:nvPr>
+        </p:nvSpPr>
+        <p:spPr/>
+        <p:txBody>
+          <a:bodyPr/>
+          <a:lstStyle/>
+          <a:p>
+            <a:endParaRPr lang="en-US" dirty="0"/>
+          </a:p>
+        </p:txBody>
+      </p:sp>
+    </p:spTree>
+    <p:extLst>
+      <p:ext uri="{BB962C8B-B14F-4D97-AF65-F5344CB8AC3E}">
+        <p14:creationId xmlns:p14="http://schemas.microsoft.com/office/powerpoint/2010/main" val="2558715095"/>
+      </p:ext>
+    </p:extLst>
+  </p:cSld>
+  <p:clrMapOvr>
+    <a:masterClrMapping/>
+  </p:clrMapOvr>
+</p:sld>
+</file>
+
+<file path=ppt/slides/slide2.xml><?xml version="1.0" encoding="utf-8"?>
+<p:sld xmlns:a="http://schemas.openxmlformats.org/drawingml/2006/main" xmlns:r="http://schemas.openxmlformats.org/officeDocument/2006/relationships" xmlns:p="http://schemas.openxmlformats.org/presentationml/2006/main">
+  <p:cSld>
+    <p:bg>
+      <p:bgPr>
+        <a:solidFill>
+          <a:schemeClr val="bg1"/>
+        </a:solidFill>
+        <a:effectLst/>
+      </p:bgPr>
+    </p:bg>
+    <p:spTree>
+      <p:nvGrpSpPr>
+        <p:cNvPr id="1" name=""/>
+        <p:cNvGrpSpPr/>
+        <p:nvPr/>
+      </p:nvGrpSpPr>
+      <p:grpSpPr>
+        <a:xfrm>
+          <a:off x="0" y="0"/>
+          <a:ext cx="0" cy="0"/>
+          <a:chOff x="0" y="0"/>
+          <a:chExt cx="0" cy="0"/>
+        </a:xfrm>
+      </p:grpSpPr>
+      <p:sp>
+        <p:nvSpPr>
+          <p:cNvPr id="7" name="Rectangle 6">
+            <a:extLst>
+              <a:ext uri="{FF2B5EF4-FFF2-40B4-BE49-F238E27FC236}">
+                <a16:creationId xmlns:a16="http://schemas.microsoft.com/office/drawing/2014/main" id="{23962611-DFD5-4092-AAFD-559E3DFCE2C9}"/>
+              </a:ext>
+              <a:ext uri="{C183D7F6-B498-43B3-948B-1728B52AA6E4}">
+                <adec:decorative xmlns:adec="http://schemas.microsoft.com/office/drawing/2017/decorative" val="1"/>
+              </a:ext>
+            </a:extLst>
+          </p:cNvPr>
+          <p:cNvSpPr>
+            <a:spLocks noGrp="1" noRot="1" noChangeAspect="1" noMove="1" noResize="1" noEditPoints="1" noAdjustHandles="1" noChangeArrowheads="1" noChangeShapeType="1" noTextEdit="1"/>
+          </p:cNvSpPr>
+          <p:nvPr>
+            <p:extLst>
+              <p:ext uri="{386F3935-93C4-4BCD-93E2-E3B085C9AB24}">
+                <p16:designElem xmlns:p16="http://schemas.microsoft.com/office/powerpoint/2015/main" val="1"/>
+              </p:ext>
+            </p:extLst>
+          </p:nvPr>
+        </p:nvSpPr>
+        <p:spPr>
+          <a:xfrm>
+            <a:off x="475488" y="0"/>
+            <a:ext cx="10910292" cy="6858000"/>
+          </a:xfrm>
+          <a:prstGeom prst="rect">
+            <a:avLst/>
+          </a:prstGeom>
+          <a:gradFill>
+            <a:gsLst>
+              <a:gs pos="0">
+                <a:schemeClr val="accent1">
+                  <a:lumMod val="90000"/>
+                </a:schemeClr>
+              </a:gs>
+              <a:gs pos="25000">
+                <a:schemeClr val="accent1">
+                  <a:lumMod val="90000"/>
+                </a:schemeClr>
+              </a:gs>
+              <a:gs pos="94000">
+                <a:schemeClr val="bg2">
+                  <a:lumMod val="25000"/>
+                </a:schemeClr>
+              </a:gs>
+              <a:gs pos="100000">
+                <a:schemeClr val="bg2">
+                  <a:lumMod val="25000"/>
+                </a:schemeClr>
+              </a:gs>
+            </a:gsLst>
+            <a:lin ang="4200000" scaled="0"/>
+          </a:gradFill>
+          <a:ln>
+            <a:noFill/>
+          </a:ln>
+        </p:spPr>
+        <p:style>
+          <a:lnRef idx="2">
+            <a:schemeClr val="accent1">
+              <a:shade val="50000"/>
+            </a:schemeClr>
+          </a:lnRef>
+          <a:fillRef idx="1">
+            <a:schemeClr val="accent1"/>
+          </a:fillRef>
+          <a:effectRef idx="0">
+            <a:schemeClr val="accent1"/>
+          </a:effectRef>
+          <a:fontRef idx="minor">
+            <a:schemeClr val="lt1"/>
+          </a:fontRef>
+        </p:style>
+        <p:txBody>
+          <a:bodyPr rtlCol="0" anchor="ctr"/>
+          <a:lstStyle/>
+          <a:p>
+            <a:pPr algn="ctr"/>
+            <a:endParaRPr lang="en-US"/>
+          </a:p>
+        </p:txBody>
+      </p:sp>
+      <p:pic>
+        <p:nvPicPr>
+          <p:cNvPr id="9" name="Picture 8">
+            <a:extLst>
+              <a:ext uri="{FF2B5EF4-FFF2-40B4-BE49-F238E27FC236}">
+                <a16:creationId xmlns:a16="http://schemas.microsoft.com/office/drawing/2014/main" id="{2270F1FA-0425-408F-9861-80BF5AFB276D}"/>
+              </a:ext>
+              <a:ext uri="{C183D7F6-B498-43B3-948B-1728B52AA6E4}">
+                <adec:decorative xmlns:adec="http://schemas.microsoft.com/office/drawing/2017/decorative" val="1"/>
+              </a:ext>
+            </a:extLst>
+          </p:cNvPr>
+          <p:cNvPicPr>
+            <a:picLocks noGrp="1" noRot="1" noChangeAspect="1" noMove="1" noResize="1" noEditPoints="1" noAdjustHandles="1" noChangeArrowheads="1" noChangeShapeType="1" noCrop="1"/>
+          </p:cNvPicPr>
+          <p:nvPr>
+            <p:extLst>
+              <p:ext uri="{386F3935-93C4-4BCD-93E2-E3B085C9AB24}">
+                <p16:designElem xmlns:p16="http://schemas.microsoft.com/office/powerpoint/2015/main" val="1"/>
+              </p:ext>
+            </p:extLst>
+          </p:nvPr>
+        </p:nvPicPr>
+        <p:blipFill>
+          <a:blip r:embed="rId2">
+            <a:extLst>
+              <a:ext uri="{28A0092B-C50C-407E-A947-70E740481C1C}">
+                <a14:useLocalDpi xmlns:a14="http://schemas.microsoft.com/office/drawing/2010/main" val="0"/>
+              </a:ext>
+            </a:extLst>
+          </a:blip>
+          <a:stretch>
+            <a:fillRect/>
+          </a:stretch>
+        </p:blipFill>
+        <p:spPr>
+          <a:xfrm>
+            <a:off x="0" y="0"/>
+            <a:ext cx="12192000" cy="6858000"/>
+          </a:xfrm>
+          <a:prstGeom prst="rect">
+            <a:avLst/>
+          </a:prstGeom>
+        </p:spPr>
+      </p:pic>
+      <p:sp>
+        <p:nvSpPr>
+          <p:cNvPr id="2" name="Título 1">
+            <a:extLst>
+              <a:ext uri="{FF2B5EF4-FFF2-40B4-BE49-F238E27FC236}">
                 <a16:creationId xmlns:a16="http://schemas.microsoft.com/office/drawing/2014/main" id="{7F7A70CE-C608-BD48-9383-1F5AA97983CE}"/>
               </a:ext>
             </a:extLst>
@@ -7104,7 +7514,7 @@
           <a:lstStyle/>
           <a:p>
             <a:r>
-              <a:rPr lang="es-CR"/>
+              <a:rPr lang="es-CR" dirty="0"/>
               <a:t>El Banco Nacional quiere saber una estimación de cuánto dinero debería reservar para realizar el pago de reclamaciones por fraude. </a:t>
             </a:r>
             <a:endParaRPr lang="es-US" dirty="0"/>
@@ -8237,7 +8647,7 @@
           <a:p>
             <a:pPr algn="ctr"/>
             <a:r>
-              <a:rPr lang="en-US" sz="6000" kern="1200">
+              <a:rPr lang="en-US" sz="6000" kern="1200" dirty="0">
                 <a:solidFill>
                   <a:srgbClr val="FFFFFF"/>
                 </a:solidFill>
@@ -8245,8 +8655,27 @@
                 <a:ea typeface="+mj-ea"/>
                 <a:cs typeface="+mj-cs"/>
               </a:rPr>
-              <a:t>Segunda Presentación</a:t>
-            </a:r>
+              <a:t>Segunda </a:t>
+            </a:r>
+            <a:r>
+              <a:rPr lang="en-US" sz="6000" kern="1200" dirty="0" err="1">
+                <a:solidFill>
+                  <a:srgbClr val="FFFFFF"/>
+                </a:solidFill>
+                <a:latin typeface="+mj-lt"/>
+                <a:ea typeface="+mj-ea"/>
+                <a:cs typeface="+mj-cs"/>
+              </a:rPr>
+              <a:t>Presentación</a:t>
+            </a:r>
+            <a:endParaRPr lang="en-US" sz="6000" kern="1200" dirty="0">
+              <a:solidFill>
+                <a:srgbClr val="FFFFFF"/>
+              </a:solidFill>
+              <a:latin typeface="+mj-lt"/>
+              <a:ea typeface="+mj-ea"/>
+              <a:cs typeface="+mj-cs"/>
+            </a:endParaRPr>
           </a:p>
         </p:txBody>
       </p:sp>
